--- a/Poster.pptx
+++ b/Poster.pptx
@@ -2966,6 +2966,2705 @@
           <a:chExt cx="0" cy="0"/>
         </a:xfrm>
       </p:grpSpPr>
+      <p:sp>
+        <p:nvSpPr>
+          <p:cNvPr id="4" name="TextBox 3">
+            <a:extLst>
+              <a:ext uri="{FF2B5EF4-FFF2-40B4-BE49-F238E27FC236}">
+                <a16:creationId xmlns:a16="http://schemas.microsoft.com/office/drawing/2014/main" id="{C2181A51-A511-D944-AB7D-6B4E4C63F08C}"/>
+              </a:ext>
+            </a:extLst>
+          </p:cNvPr>
+          <p:cNvSpPr txBox="1"/>
+          <p:nvPr/>
+        </p:nvSpPr>
+        <p:spPr>
+          <a:xfrm>
+            <a:off x="3693317" y="0"/>
+            <a:ext cx="13996989" cy="2246769"/>
+          </a:xfrm>
+          <a:prstGeom prst="rect">
+            <a:avLst/>
+          </a:prstGeom>
+          <a:noFill/>
+        </p:spPr>
+        <p:txBody>
+          <a:bodyPr wrap="square" rtlCol="0">
+            <a:spAutoFit/>
+          </a:bodyPr>
+          <a:lstStyle/>
+          <a:p>
+            <a:pPr algn="ctr"/>
+            <a:r>
+              <a:rPr lang="de-DE" sz="7000" b="1" u="sng" dirty="0"/>
+              <a:t>Smart </a:t>
+            </a:r>
+            <a:r>
+              <a:rPr lang="de-DE" sz="7000" b="1" u="sng" dirty="0" err="1"/>
+              <a:t>Assistant</a:t>
+            </a:r>
+            <a:r>
+              <a:rPr lang="de-DE" sz="7000" b="1" u="sng" dirty="0"/>
+              <a:t> </a:t>
+            </a:r>
+            <a:r>
+              <a:rPr lang="de-DE" sz="7000" b="1" u="sng" dirty="0" err="1"/>
+              <a:t>for</a:t>
+            </a:r>
+            <a:r>
+              <a:rPr lang="de-DE" sz="7000" b="1" u="sng" dirty="0"/>
+              <a:t> Data Collection In </a:t>
+            </a:r>
+            <a:r>
+              <a:rPr lang="de-DE" sz="7000" b="1" u="sng" dirty="0" err="1"/>
+              <a:t>Epidemiology</a:t>
+            </a:r>
+            <a:endParaRPr lang="de-DE" sz="7000" b="1" u="sng" dirty="0"/>
+          </a:p>
+        </p:txBody>
+      </p:sp>
+      <p:sp>
+        <p:nvSpPr>
+          <p:cNvPr id="5" name="TextBox 4">
+            <a:extLst>
+              <a:ext uri="{FF2B5EF4-FFF2-40B4-BE49-F238E27FC236}">
+                <a16:creationId xmlns:a16="http://schemas.microsoft.com/office/drawing/2014/main" id="{1935F4A4-8416-CD48-AE3C-93564F73D5CB}"/>
+              </a:ext>
+            </a:extLst>
+          </p:cNvPr>
+          <p:cNvSpPr txBox="1"/>
+          <p:nvPr/>
+        </p:nvSpPr>
+        <p:spPr>
+          <a:xfrm>
+            <a:off x="0" y="736900"/>
+            <a:ext cx="3782959" cy="1200329"/>
+          </a:xfrm>
+          <a:prstGeom prst="rect">
+            <a:avLst/>
+          </a:prstGeom>
+          <a:noFill/>
+        </p:spPr>
+        <p:txBody>
+          <a:bodyPr wrap="none" rtlCol="0">
+            <a:spAutoFit/>
+          </a:bodyPr>
+          <a:lstStyle/>
+          <a:p>
+            <a:r>
+              <a:rPr lang="de-DE" sz="2400" dirty="0"/>
+              <a:t>Leonard Goldschmidt</a:t>
+            </a:r>
+          </a:p>
+          <a:p>
+            <a:r>
+              <a:rPr lang="de-DE" sz="2400" dirty="0"/>
+              <a:t>Supervisor 1: Louise </a:t>
+            </a:r>
+            <a:r>
+              <a:rPr lang="de-DE" sz="2400" dirty="0" err="1"/>
+              <a:t>Millard</a:t>
+            </a:r>
+            <a:endParaRPr lang="de-DE" sz="2400" dirty="0"/>
+          </a:p>
+          <a:p>
+            <a:r>
+              <a:rPr lang="de-DE" sz="2400" dirty="0"/>
+              <a:t>Supervisor 2: Samuel </a:t>
+            </a:r>
+            <a:r>
+              <a:rPr lang="de-DE" sz="2400" dirty="0" err="1"/>
+              <a:t>Neaves</a:t>
+            </a:r>
+            <a:endParaRPr lang="de-DE" sz="2400" dirty="0"/>
+          </a:p>
+        </p:txBody>
+      </p:sp>
+      <p:pic>
+        <p:nvPicPr>
+          <p:cNvPr id="7" name="Picture 6">
+            <a:extLst>
+              <a:ext uri="{FF2B5EF4-FFF2-40B4-BE49-F238E27FC236}">
+                <a16:creationId xmlns:a16="http://schemas.microsoft.com/office/drawing/2014/main" id="{1319AE8A-FEBC-1046-B930-B8CC3FFC3B90}"/>
+              </a:ext>
+            </a:extLst>
+          </p:cNvPr>
+          <p:cNvPicPr>
+            <a:picLocks noChangeAspect="1"/>
+          </p:cNvPicPr>
+          <p:nvPr/>
+        </p:nvPicPr>
+        <p:blipFill>
+          <a:blip r:embed="rId2"/>
+          <a:stretch>
+            <a:fillRect/>
+          </a:stretch>
+        </p:blipFill>
+        <p:spPr>
+          <a:xfrm>
+            <a:off x="17690306" y="82507"/>
+            <a:ext cx="3390295" cy="1432804"/>
+          </a:xfrm>
+          <a:prstGeom prst="rect">
+            <a:avLst/>
+          </a:prstGeom>
+        </p:spPr>
+      </p:pic>
+      <p:sp>
+        <p:nvSpPr>
+          <p:cNvPr id="8" name="TextBox 7">
+            <a:extLst>
+              <a:ext uri="{FF2B5EF4-FFF2-40B4-BE49-F238E27FC236}">
+                <a16:creationId xmlns:a16="http://schemas.microsoft.com/office/drawing/2014/main" id="{703DF507-3B11-C34E-A80E-8D5D757952FC}"/>
+              </a:ext>
+            </a:extLst>
+          </p:cNvPr>
+          <p:cNvSpPr txBox="1"/>
+          <p:nvPr/>
+        </p:nvSpPr>
+        <p:spPr>
+          <a:xfrm>
+            <a:off x="11043888" y="6280146"/>
+            <a:ext cx="9846818" cy="4770537"/>
+          </a:xfrm>
+          <a:prstGeom prst="rect">
+            <a:avLst/>
+          </a:prstGeom>
+          <a:solidFill>
+            <a:schemeClr val="accent1">
+              <a:lumMod val="20000"/>
+              <a:lumOff val="80000"/>
+            </a:schemeClr>
+          </a:solidFill>
+        </p:spPr>
+        <p:txBody>
+          <a:bodyPr wrap="square" rtlCol="0">
+            <a:spAutoFit/>
+          </a:bodyPr>
+          <a:lstStyle/>
+          <a:p>
+            <a:r>
+              <a:rPr lang="de-DE" sz="3600" u="sng" dirty="0"/>
+              <a:t>Challenge: </a:t>
+            </a:r>
+          </a:p>
+          <a:p>
+            <a:r>
+              <a:rPr lang="de-DE" sz="2800" dirty="0" err="1"/>
+              <a:t>Investigate</a:t>
+            </a:r>
+            <a:r>
+              <a:rPr lang="de-DE" sz="2800" dirty="0"/>
+              <a:t> </a:t>
+            </a:r>
+            <a:r>
+              <a:rPr lang="de-DE" sz="2800" dirty="0" err="1"/>
+              <a:t>whether</a:t>
+            </a:r>
+            <a:r>
+              <a:rPr lang="de-DE" sz="2800" dirty="0"/>
+              <a:t> a smart </a:t>
+            </a:r>
+            <a:r>
+              <a:rPr lang="de-DE" sz="2800" dirty="0" err="1"/>
+              <a:t>assistant</a:t>
+            </a:r>
+            <a:endParaRPr lang="de-DE" sz="2800" dirty="0"/>
+          </a:p>
+          <a:p>
+            <a:r>
+              <a:rPr lang="de-DE" sz="2800" dirty="0" err="1"/>
+              <a:t>can</a:t>
+            </a:r>
+            <a:r>
+              <a:rPr lang="de-DE" sz="2800" dirty="0"/>
+              <a:t> </a:t>
+            </a:r>
+            <a:r>
+              <a:rPr lang="de-DE" sz="2800" dirty="0" err="1"/>
+              <a:t>provide</a:t>
+            </a:r>
+            <a:r>
+              <a:rPr lang="de-DE" sz="2800" dirty="0"/>
+              <a:t> an </a:t>
+            </a:r>
+            <a:r>
+              <a:rPr lang="de-DE" sz="2800" dirty="0" err="1"/>
+              <a:t>alterantive</a:t>
+            </a:r>
+            <a:r>
+              <a:rPr lang="de-DE" sz="2800" dirty="0"/>
+              <a:t> </a:t>
+            </a:r>
+            <a:r>
+              <a:rPr lang="de-DE" sz="2800" dirty="0" err="1"/>
+              <a:t>way</a:t>
+            </a:r>
+            <a:r>
+              <a:rPr lang="de-DE" sz="2800" dirty="0"/>
+              <a:t> </a:t>
+            </a:r>
+            <a:r>
+              <a:rPr lang="de-DE" sz="2800" dirty="0" err="1"/>
+              <a:t>of</a:t>
+            </a:r>
+            <a:r>
+              <a:rPr lang="de-DE" sz="2800" dirty="0"/>
+              <a:t> </a:t>
+            </a:r>
+            <a:r>
+              <a:rPr lang="de-DE" sz="2800" dirty="0" err="1"/>
+              <a:t>logging</a:t>
+            </a:r>
+            <a:r>
+              <a:rPr lang="de-DE" sz="2800" dirty="0"/>
+              <a:t> nutritional </a:t>
+            </a:r>
+            <a:r>
+              <a:rPr lang="de-DE" sz="2800" dirty="0" err="1"/>
+              <a:t>data</a:t>
+            </a:r>
+            <a:r>
+              <a:rPr lang="de-DE" sz="2800" dirty="0"/>
+              <a:t> </a:t>
+            </a:r>
+            <a:r>
+              <a:rPr lang="de-DE" sz="2800" dirty="0" err="1"/>
+              <a:t>for</a:t>
+            </a:r>
+            <a:r>
+              <a:rPr lang="de-DE" sz="2800" dirty="0"/>
+              <a:t> </a:t>
+            </a:r>
+            <a:r>
+              <a:rPr lang="de-DE" sz="2800" dirty="0" err="1"/>
+              <a:t>Epidemiology</a:t>
+            </a:r>
+            <a:r>
+              <a:rPr lang="de-DE" sz="2800" dirty="0"/>
+              <a:t>. </a:t>
+            </a:r>
+            <a:endParaRPr lang="de-DE" sz="2800" u="sng" dirty="0"/>
+          </a:p>
+          <a:p>
+            <a:r>
+              <a:rPr lang="de-DE" sz="3600" u="sng" dirty="0" err="1"/>
+              <a:t>Added</a:t>
+            </a:r>
+            <a:r>
+              <a:rPr lang="de-DE" sz="3600" u="sng" dirty="0"/>
+              <a:t> </a:t>
+            </a:r>
+            <a:r>
+              <a:rPr lang="de-DE" sz="3600" u="sng" dirty="0" err="1"/>
+              <a:t>value</a:t>
+            </a:r>
+            <a:r>
+              <a:rPr lang="de-DE" sz="3600" u="sng" dirty="0"/>
+              <a:t>: </a:t>
+            </a:r>
+          </a:p>
+          <a:p>
+            <a:pPr marL="457200" indent="-457200">
+              <a:buFont typeface="Arial" panose="020B0604020202020204" pitchFamily="34" charset="0"/>
+              <a:buChar char="•"/>
+            </a:pPr>
+            <a:r>
+              <a:rPr lang="de-DE" sz="2800" dirty="0"/>
+              <a:t>Create a fast </a:t>
+            </a:r>
+            <a:r>
+              <a:rPr lang="de-DE" sz="2800" dirty="0" err="1"/>
+              <a:t>and</a:t>
+            </a:r>
+            <a:r>
+              <a:rPr lang="de-DE" sz="2800" dirty="0"/>
+              <a:t> easy </a:t>
+            </a:r>
+            <a:r>
+              <a:rPr lang="de-DE" sz="2800" dirty="0" err="1"/>
+              <a:t>way</a:t>
+            </a:r>
+            <a:r>
+              <a:rPr lang="de-DE" sz="2800" dirty="0"/>
+              <a:t> </a:t>
+            </a:r>
+            <a:r>
+              <a:rPr lang="de-DE" sz="2800" dirty="0" err="1"/>
+              <a:t>of</a:t>
+            </a:r>
+            <a:r>
+              <a:rPr lang="de-DE" sz="2800" dirty="0"/>
+              <a:t> </a:t>
+            </a:r>
+            <a:r>
+              <a:rPr lang="de-DE" sz="2800" dirty="0" err="1"/>
+              <a:t>logging</a:t>
+            </a:r>
+            <a:r>
+              <a:rPr lang="de-DE" sz="2800" dirty="0"/>
+              <a:t> </a:t>
+            </a:r>
+            <a:r>
+              <a:rPr lang="de-DE" sz="2800" dirty="0" err="1"/>
+              <a:t>nutrition</a:t>
+            </a:r>
+            <a:r>
+              <a:rPr lang="de-DE" sz="2800" dirty="0"/>
+              <a:t> </a:t>
+            </a:r>
+            <a:r>
+              <a:rPr lang="de-DE" sz="2800" dirty="0" err="1"/>
+              <a:t>using</a:t>
+            </a:r>
+            <a:r>
+              <a:rPr lang="de-DE" sz="2800" dirty="0"/>
+              <a:t> a </a:t>
+            </a:r>
+            <a:r>
+              <a:rPr lang="de-DE" sz="2800" dirty="0" err="1"/>
+              <a:t>voice</a:t>
+            </a:r>
+            <a:r>
+              <a:rPr lang="de-DE" sz="2800" dirty="0"/>
+              <a:t> </a:t>
+            </a:r>
+            <a:r>
+              <a:rPr lang="de-DE" sz="2800" dirty="0" err="1"/>
+              <a:t>assistant</a:t>
+            </a:r>
+            <a:r>
+              <a:rPr lang="de-DE" sz="2800" dirty="0"/>
+              <a:t>.</a:t>
+            </a:r>
+          </a:p>
+          <a:p>
+            <a:pPr marL="457200" indent="-457200">
+              <a:buFont typeface="Arial" panose="020B0604020202020204" pitchFamily="34" charset="0"/>
+              <a:buChar char="•"/>
+            </a:pPr>
+            <a:r>
+              <a:rPr lang="de-DE" sz="2800" dirty="0" err="1"/>
+              <a:t>Easily</a:t>
+            </a:r>
+            <a:r>
+              <a:rPr lang="de-DE" sz="2800" dirty="0"/>
+              <a:t> </a:t>
+            </a:r>
+            <a:r>
+              <a:rPr lang="de-DE" sz="2800" dirty="0" err="1"/>
+              <a:t>distribuitable</a:t>
+            </a:r>
+            <a:r>
+              <a:rPr lang="de-DE" sz="2800" dirty="0"/>
+              <a:t> </a:t>
+            </a:r>
+          </a:p>
+          <a:p>
+            <a:pPr marL="457200" indent="-457200">
+              <a:buFont typeface="Arial" panose="020B0604020202020204" pitchFamily="34" charset="0"/>
+              <a:buChar char="•"/>
+            </a:pPr>
+            <a:r>
+              <a:rPr lang="de-DE" sz="2800" dirty="0"/>
+              <a:t>Data </a:t>
+            </a:r>
+            <a:r>
+              <a:rPr lang="de-DE" sz="2800" dirty="0" err="1"/>
+              <a:t>can</a:t>
+            </a:r>
+            <a:r>
+              <a:rPr lang="de-DE" sz="2800" dirty="0"/>
+              <a:t> </a:t>
+            </a:r>
+            <a:r>
+              <a:rPr lang="de-DE" sz="2800" dirty="0" err="1"/>
+              <a:t>be</a:t>
+            </a:r>
+            <a:r>
+              <a:rPr lang="de-DE" sz="2800" dirty="0"/>
+              <a:t> </a:t>
+            </a:r>
+            <a:r>
+              <a:rPr lang="de-DE" sz="2800" dirty="0" err="1"/>
+              <a:t>stored</a:t>
+            </a:r>
+            <a:r>
+              <a:rPr lang="de-DE" sz="2800" dirty="0"/>
+              <a:t> </a:t>
+            </a:r>
+            <a:r>
+              <a:rPr lang="de-DE" sz="2800" dirty="0" err="1"/>
+              <a:t>immediately</a:t>
+            </a:r>
+            <a:r>
+              <a:rPr lang="de-DE" sz="2800" dirty="0"/>
+              <a:t> in </a:t>
+            </a:r>
+            <a:r>
+              <a:rPr lang="de-DE" sz="2800" dirty="0" err="1"/>
+              <a:t>one</a:t>
+            </a:r>
+            <a:r>
+              <a:rPr lang="de-DE" sz="2800" dirty="0"/>
+              <a:t>, </a:t>
+            </a:r>
+            <a:r>
+              <a:rPr lang="de-DE" sz="2800" dirty="0" err="1"/>
+              <a:t>centralised</a:t>
+            </a:r>
+            <a:r>
+              <a:rPr lang="de-DE" sz="2800" dirty="0"/>
+              <a:t> </a:t>
+            </a:r>
+            <a:r>
+              <a:rPr lang="de-DE" sz="2800" dirty="0" err="1"/>
+              <a:t>database</a:t>
+            </a:r>
+            <a:endParaRPr lang="de-DE" sz="2800" dirty="0"/>
+          </a:p>
+          <a:p>
+            <a:pPr marL="457200" indent="-457200">
+              <a:buFont typeface="Arial" panose="020B0604020202020204" pitchFamily="34" charset="0"/>
+              <a:buChar char="•"/>
+            </a:pPr>
+            <a:endParaRPr lang="de-DE" sz="2800" u="sng" dirty="0"/>
+          </a:p>
+        </p:txBody>
+      </p:sp>
+      <p:sp>
+        <p:nvSpPr>
+          <p:cNvPr id="9" name="TextBox 8">
+            <a:extLst>
+              <a:ext uri="{FF2B5EF4-FFF2-40B4-BE49-F238E27FC236}">
+                <a16:creationId xmlns:a16="http://schemas.microsoft.com/office/drawing/2014/main" id="{D898D2F8-2FAF-244E-BA00-158DF02D3EAB}"/>
+              </a:ext>
+            </a:extLst>
+          </p:cNvPr>
+          <p:cNvSpPr txBox="1"/>
+          <p:nvPr/>
+        </p:nvSpPr>
+        <p:spPr>
+          <a:xfrm>
+            <a:off x="492915" y="2672312"/>
+            <a:ext cx="20397791" cy="3293209"/>
+          </a:xfrm>
+          <a:prstGeom prst="rect">
+            <a:avLst/>
+          </a:prstGeom>
+          <a:solidFill>
+            <a:schemeClr val="accent6">
+              <a:lumMod val="20000"/>
+              <a:lumOff val="80000"/>
+            </a:schemeClr>
+          </a:solidFill>
+        </p:spPr>
+        <p:txBody>
+          <a:bodyPr wrap="square" rtlCol="0">
+            <a:spAutoFit/>
+          </a:bodyPr>
+          <a:lstStyle/>
+          <a:p>
+            <a:pPr algn="ctr"/>
+            <a:r>
+              <a:rPr lang="de-DE" sz="4000" u="sng" dirty="0" err="1"/>
+              <a:t>Introduction</a:t>
+            </a:r>
+            <a:r>
+              <a:rPr lang="de-DE" sz="4000" u="sng" dirty="0"/>
+              <a:t>:</a:t>
+            </a:r>
+          </a:p>
+          <a:p>
+            <a:pPr algn="ctr"/>
+            <a:r>
+              <a:rPr lang="en-US" sz="2800" dirty="0"/>
+              <a:t>Health research is interested in understanding factors that influence people’s food intake and how different diets affect health. Collecting reliable and accurate dietary information is a difficult process in this area and can result in inconsistent and poorly evidenced data for epidemiological research. </a:t>
+            </a:r>
+            <a:endParaRPr lang="de-DE" sz="2800" dirty="0"/>
+          </a:p>
+          <a:p>
+            <a:pPr algn="ctr"/>
+            <a:r>
+              <a:rPr lang="en-US" sz="2800" dirty="0"/>
+              <a:t> </a:t>
+            </a:r>
+            <a:r>
+              <a:rPr lang="en-US" sz="2800" i="1" dirty="0"/>
+              <a:t>“By definition, epidemiology is the study (scientific, systematic, and data-driven) of the distribution (frequency, pattern) and determinants (causes, risk factors) of health-related states and events (not just diseases) in specified populations (neighborhood, school, city, state, country, global).”</a:t>
+            </a:r>
+            <a:r>
+              <a:rPr lang="en-US" sz="2800" dirty="0"/>
+              <a:t> </a:t>
+            </a:r>
+            <a:endParaRPr lang="de-DE" sz="2800" dirty="0"/>
+          </a:p>
+        </p:txBody>
+      </p:sp>
+      <p:grpSp>
+        <p:nvGrpSpPr>
+          <p:cNvPr id="64" name="Group 63">
+            <a:extLst>
+              <a:ext uri="{FF2B5EF4-FFF2-40B4-BE49-F238E27FC236}">
+                <a16:creationId xmlns:a16="http://schemas.microsoft.com/office/drawing/2014/main" id="{5A07E7D2-AC6C-6D49-9848-598F8E299241}"/>
+              </a:ext>
+            </a:extLst>
+          </p:cNvPr>
+          <p:cNvGrpSpPr/>
+          <p:nvPr/>
+        </p:nvGrpSpPr>
+        <p:grpSpPr>
+          <a:xfrm>
+            <a:off x="3782959" y="14957654"/>
+            <a:ext cx="16119040" cy="6336237"/>
+            <a:chOff x="2467452" y="11473527"/>
+            <a:chExt cx="17292655" cy="6944891"/>
+          </a:xfrm>
+        </p:grpSpPr>
+        <p:grpSp>
+          <p:nvGrpSpPr>
+            <p:cNvPr id="61" name="Group 60">
+              <a:extLst>
+                <a:ext uri="{FF2B5EF4-FFF2-40B4-BE49-F238E27FC236}">
+                  <a16:creationId xmlns:a16="http://schemas.microsoft.com/office/drawing/2014/main" id="{7112C1B0-E5FF-F442-A245-2E1F8542C042}"/>
+                </a:ext>
+              </a:extLst>
+            </p:cNvPr>
+            <p:cNvGrpSpPr/>
+            <p:nvPr/>
+          </p:nvGrpSpPr>
+          <p:grpSpPr>
+            <a:xfrm>
+              <a:off x="2467452" y="11473527"/>
+              <a:ext cx="16448716" cy="5880211"/>
+              <a:chOff x="581834" y="11524327"/>
+              <a:chExt cx="16448716" cy="5880211"/>
+            </a:xfrm>
+          </p:grpSpPr>
+          <p:sp>
+            <p:nvSpPr>
+              <p:cNvPr id="56" name="Right Arrow 55">
+                <a:extLst>
+                  <a:ext uri="{FF2B5EF4-FFF2-40B4-BE49-F238E27FC236}">
+                    <a16:creationId xmlns:a16="http://schemas.microsoft.com/office/drawing/2014/main" id="{343D450B-F37B-B74A-BC34-D22AEBEAD70E}"/>
+                  </a:ext>
+                </a:extLst>
+              </p:cNvPr>
+              <p:cNvSpPr/>
+              <p:nvPr/>
+            </p:nvSpPr>
+            <p:spPr>
+              <a:xfrm rot="13500000">
+                <a:off x="12217301" y="13551500"/>
+                <a:ext cx="963162" cy="197546"/>
+              </a:xfrm>
+              <a:prstGeom prst="rightArrow">
+                <a:avLst/>
+              </a:prstGeom>
+            </p:spPr>
+            <p:style>
+              <a:lnRef idx="2">
+                <a:schemeClr val="accent1">
+                  <a:shade val="50000"/>
+                </a:schemeClr>
+              </a:lnRef>
+              <a:fillRef idx="1">
+                <a:schemeClr val="accent1"/>
+              </a:fillRef>
+              <a:effectRef idx="0">
+                <a:schemeClr val="accent1"/>
+              </a:effectRef>
+              <a:fontRef idx="minor">
+                <a:schemeClr val="lt1"/>
+              </a:fontRef>
+            </p:style>
+            <p:txBody>
+              <a:bodyPr rtlCol="0" anchor="ctr"/>
+              <a:lstStyle/>
+              <a:p>
+                <a:pPr algn="ctr"/>
+                <a:endParaRPr lang="de-DE"/>
+              </a:p>
+            </p:txBody>
+          </p:sp>
+          <p:sp>
+            <p:nvSpPr>
+              <p:cNvPr id="57" name="Right Arrow 56">
+                <a:extLst>
+                  <a:ext uri="{FF2B5EF4-FFF2-40B4-BE49-F238E27FC236}">
+                    <a16:creationId xmlns:a16="http://schemas.microsoft.com/office/drawing/2014/main" id="{D8F86CCD-4AA8-C144-ADC6-9ADE901905EB}"/>
+                  </a:ext>
+                </a:extLst>
+              </p:cNvPr>
+              <p:cNvSpPr/>
+              <p:nvPr/>
+            </p:nvSpPr>
+            <p:spPr>
+              <a:xfrm rot="8100000">
+                <a:off x="10181826" y="13262169"/>
+                <a:ext cx="863600" cy="297107"/>
+              </a:xfrm>
+              <a:prstGeom prst="rightArrow">
+                <a:avLst/>
+              </a:prstGeom>
+            </p:spPr>
+            <p:style>
+              <a:lnRef idx="2">
+                <a:schemeClr val="accent1">
+                  <a:shade val="50000"/>
+                </a:schemeClr>
+              </a:lnRef>
+              <a:fillRef idx="1">
+                <a:schemeClr val="accent1"/>
+              </a:fillRef>
+              <a:effectRef idx="0">
+                <a:schemeClr val="accent1"/>
+              </a:effectRef>
+              <a:fontRef idx="minor">
+                <a:schemeClr val="lt1"/>
+              </a:fontRef>
+            </p:style>
+            <p:txBody>
+              <a:bodyPr rtlCol="0" anchor="ctr"/>
+              <a:lstStyle/>
+              <a:p>
+                <a:pPr algn="ctr"/>
+                <a:endParaRPr lang="de-DE"/>
+              </a:p>
+            </p:txBody>
+          </p:sp>
+          <p:grpSp>
+            <p:nvGrpSpPr>
+              <p:cNvPr id="60" name="Group 59">
+                <a:extLst>
+                  <a:ext uri="{FF2B5EF4-FFF2-40B4-BE49-F238E27FC236}">
+                    <a16:creationId xmlns:a16="http://schemas.microsoft.com/office/drawing/2014/main" id="{6788892B-B6AB-2E43-972F-732407C8CE3B}"/>
+                  </a:ext>
+                </a:extLst>
+              </p:cNvPr>
+              <p:cNvGrpSpPr/>
+              <p:nvPr/>
+            </p:nvGrpSpPr>
+            <p:grpSpPr>
+              <a:xfrm>
+                <a:off x="581834" y="11524327"/>
+                <a:ext cx="16448716" cy="5880211"/>
+                <a:chOff x="581834" y="11524327"/>
+                <a:chExt cx="16448716" cy="5880211"/>
+              </a:xfrm>
+            </p:grpSpPr>
+            <p:grpSp>
+              <p:nvGrpSpPr>
+                <p:cNvPr id="52" name="Group 51">
+                  <a:extLst>
+                    <a:ext uri="{FF2B5EF4-FFF2-40B4-BE49-F238E27FC236}">
+                      <a16:creationId xmlns:a16="http://schemas.microsoft.com/office/drawing/2014/main" id="{850D45DB-9B56-8440-A1B0-B694A68997D2}"/>
+                    </a:ext>
+                  </a:extLst>
+                </p:cNvPr>
+                <p:cNvGrpSpPr/>
+                <p:nvPr/>
+              </p:nvGrpSpPr>
+              <p:grpSpPr>
+                <a:xfrm>
+                  <a:off x="581834" y="11524327"/>
+                  <a:ext cx="14432178" cy="5880211"/>
+                  <a:chOff x="581834" y="11524327"/>
+                  <a:chExt cx="14432178" cy="5880211"/>
+                </a:xfrm>
+              </p:grpSpPr>
+              <p:grpSp>
+                <p:nvGrpSpPr>
+                  <p:cNvPr id="44" name="Group 43">
+                    <a:extLst>
+                      <a:ext uri="{FF2B5EF4-FFF2-40B4-BE49-F238E27FC236}">
+                        <a16:creationId xmlns:a16="http://schemas.microsoft.com/office/drawing/2014/main" id="{B86DD92C-7841-0A42-BE1F-13B41835C8AB}"/>
+                      </a:ext>
+                    </a:extLst>
+                  </p:cNvPr>
+                  <p:cNvGrpSpPr/>
+                  <p:nvPr/>
+                </p:nvGrpSpPr>
+                <p:grpSpPr>
+                  <a:xfrm>
+                    <a:off x="581834" y="11524327"/>
+                    <a:ext cx="12918649" cy="5880211"/>
+                    <a:chOff x="581834" y="11524327"/>
+                    <a:chExt cx="12918649" cy="5880211"/>
+                  </a:xfrm>
+                </p:grpSpPr>
+                <p:grpSp>
+                  <p:nvGrpSpPr>
+                    <p:cNvPr id="40" name="Group 39">
+                      <a:extLst>
+                        <a:ext uri="{FF2B5EF4-FFF2-40B4-BE49-F238E27FC236}">
+                          <a16:creationId xmlns:a16="http://schemas.microsoft.com/office/drawing/2014/main" id="{05015657-FB04-9E4E-9651-DEA2E6BC1DA4}"/>
+                        </a:ext>
+                      </a:extLst>
+                    </p:cNvPr>
+                    <p:cNvGrpSpPr/>
+                    <p:nvPr/>
+                  </p:nvGrpSpPr>
+                  <p:grpSpPr>
+                    <a:xfrm>
+                      <a:off x="2902501" y="11524327"/>
+                      <a:ext cx="10597982" cy="5880211"/>
+                      <a:chOff x="1403901" y="11575127"/>
+                      <a:chExt cx="10597982" cy="5880211"/>
+                    </a:xfrm>
+                  </p:grpSpPr>
+                  <p:pic>
+                    <p:nvPicPr>
+                      <p:cNvPr id="16" name="Picture 15">
+                        <a:extLst>
+                          <a:ext uri="{FF2B5EF4-FFF2-40B4-BE49-F238E27FC236}">
+                            <a16:creationId xmlns:a16="http://schemas.microsoft.com/office/drawing/2014/main" id="{CCBB8174-CC7E-3F40-958A-2DDAAAE36CBF}"/>
+                          </a:ext>
+                        </a:extLst>
+                      </p:cNvPr>
+                      <p:cNvPicPr>
+                        <a:picLocks noChangeAspect="1"/>
+                      </p:cNvPicPr>
+                      <p:nvPr/>
+                    </p:nvPicPr>
+                    <p:blipFill>
+                      <a:blip r:embed="rId3"/>
+                      <a:stretch>
+                        <a:fillRect/>
+                      </a:stretch>
+                    </p:blipFill>
+                    <p:spPr>
+                      <a:xfrm>
+                        <a:off x="1403901" y="15277288"/>
+                        <a:ext cx="2178050" cy="2178050"/>
+                      </a:xfrm>
+                      <a:prstGeom prst="rect">
+                        <a:avLst/>
+                      </a:prstGeom>
+                    </p:spPr>
+                  </p:pic>
+                  <p:grpSp>
+                    <p:nvGrpSpPr>
+                      <p:cNvPr id="37" name="Group 36">
+                        <a:extLst>
+                          <a:ext uri="{FF2B5EF4-FFF2-40B4-BE49-F238E27FC236}">
+                            <a16:creationId xmlns:a16="http://schemas.microsoft.com/office/drawing/2014/main" id="{C1B2DA05-67F8-0544-9BA3-4E1BD9E36FB0}"/>
+                          </a:ext>
+                        </a:extLst>
+                      </p:cNvPr>
+                      <p:cNvGrpSpPr/>
+                      <p:nvPr/>
+                    </p:nvGrpSpPr>
+                    <p:grpSpPr>
+                      <a:xfrm>
+                        <a:off x="1883723" y="11575127"/>
+                        <a:ext cx="10118160" cy="5442875"/>
+                        <a:chOff x="359723" y="11575127"/>
+                        <a:chExt cx="10118160" cy="5442875"/>
+                      </a:xfrm>
+                    </p:grpSpPr>
+                    <p:pic>
+                      <p:nvPicPr>
+                        <p:cNvPr id="12" name="Graphic 11" descr="Server">
+                          <a:extLst>
+                            <a:ext uri="{FF2B5EF4-FFF2-40B4-BE49-F238E27FC236}">
+                              <a16:creationId xmlns:a16="http://schemas.microsoft.com/office/drawing/2014/main" id="{E724A635-9B11-ED45-89AE-A9D4932FFE14}"/>
+                            </a:ext>
+                          </a:extLst>
+                        </p:cNvPr>
+                        <p:cNvPicPr>
+                          <a:picLocks noChangeAspect="1"/>
+                        </p:cNvPicPr>
+                        <p:nvPr/>
+                      </p:nvPicPr>
+                      <p:blipFill>
+                        <a:blip r:embed="rId4">
+                          <a:extLst>
+                            <a:ext uri="{96DAC541-7B7A-43D3-8B79-37D633B846F1}">
+                              <asvg:svgBlip xmlns:asvg="http://schemas.microsoft.com/office/drawing/2016/SVG/main" r:embed="rId5"/>
+                            </a:ext>
+                          </a:extLst>
+                        </a:blip>
+                        <a:stretch>
+                          <a:fillRect/>
+                        </a:stretch>
+                      </p:blipFill>
+                      <p:spPr>
+                        <a:xfrm>
+                          <a:off x="5547196" y="14060450"/>
+                          <a:ext cx="2143557" cy="2143557"/>
+                        </a:xfrm>
+                        <a:prstGeom prst="rect">
+                          <a:avLst/>
+                        </a:prstGeom>
+                      </p:spPr>
+                    </p:pic>
+                    <p:pic>
+                      <p:nvPicPr>
+                        <p:cNvPr id="14" name="Picture 13">
+                          <a:extLst>
+                            <a:ext uri="{FF2B5EF4-FFF2-40B4-BE49-F238E27FC236}">
+                              <a16:creationId xmlns:a16="http://schemas.microsoft.com/office/drawing/2014/main" id="{233BBADA-0860-2F4D-ADF2-24068F9B4B50}"/>
+                            </a:ext>
+                          </a:extLst>
+                        </p:cNvPr>
+                        <p:cNvPicPr>
+                          <a:picLocks noChangeAspect="1"/>
+                        </p:cNvPicPr>
+                        <p:nvPr/>
+                      </p:nvPicPr>
+                      <p:blipFill>
+                        <a:blip r:embed="rId6"/>
+                        <a:stretch>
+                          <a:fillRect/>
+                        </a:stretch>
+                      </p:blipFill>
+                      <p:spPr>
+                        <a:xfrm>
+                          <a:off x="2558088" y="14233722"/>
+                          <a:ext cx="2103821" cy="1797014"/>
+                        </a:xfrm>
+                        <a:prstGeom prst="rect">
+                          <a:avLst/>
+                        </a:prstGeom>
+                      </p:spPr>
+                    </p:pic>
+                    <p:grpSp>
+                      <p:nvGrpSpPr>
+                        <p:cNvPr id="33" name="Group 32">
+                          <a:extLst>
+                            <a:ext uri="{FF2B5EF4-FFF2-40B4-BE49-F238E27FC236}">
+                              <a16:creationId xmlns:a16="http://schemas.microsoft.com/office/drawing/2014/main" id="{DAAB00D0-3A12-C94E-A362-E5B3F27A4D46}"/>
+                            </a:ext>
+                          </a:extLst>
+                        </p:cNvPr>
+                        <p:cNvGrpSpPr/>
+                        <p:nvPr/>
+                      </p:nvGrpSpPr>
+                      <p:grpSpPr>
+                        <a:xfrm>
+                          <a:off x="359723" y="13350894"/>
+                          <a:ext cx="1218405" cy="3667106"/>
+                          <a:chOff x="359723" y="13350894"/>
+                          <a:chExt cx="1218405" cy="3667106"/>
+                        </a:xfrm>
+                      </p:grpSpPr>
+                      <p:pic>
+                        <p:nvPicPr>
+                          <p:cNvPr id="18" name="Picture 17">
+                            <a:extLst>
+                              <a:ext uri="{FF2B5EF4-FFF2-40B4-BE49-F238E27FC236}">
+                                <a16:creationId xmlns:a16="http://schemas.microsoft.com/office/drawing/2014/main" id="{B7A0570C-83C0-9443-B762-1A963DB8B5B6}"/>
+                              </a:ext>
+                            </a:extLst>
+                          </p:cNvPr>
+                          <p:cNvPicPr>
+                            <a:picLocks noChangeAspect="1"/>
+                          </p:cNvPicPr>
+                          <p:nvPr/>
+                        </p:nvPicPr>
+                        <p:blipFill>
+                          <a:blip r:embed="rId7"/>
+                          <a:stretch>
+                            <a:fillRect/>
+                          </a:stretch>
+                        </p:blipFill>
+                        <p:spPr>
+                          <a:xfrm>
+                            <a:off x="635877" y="14523027"/>
+                            <a:ext cx="666098" cy="1218405"/>
+                          </a:xfrm>
+                          <a:prstGeom prst="rect">
+                            <a:avLst/>
+                          </a:prstGeom>
+                        </p:spPr>
+                      </p:pic>
+                      <p:pic>
+                        <p:nvPicPr>
+                          <p:cNvPr id="20" name="Picture 19">
+                            <a:extLst>
+                              <a:ext uri="{FF2B5EF4-FFF2-40B4-BE49-F238E27FC236}">
+                                <a16:creationId xmlns:a16="http://schemas.microsoft.com/office/drawing/2014/main" id="{10F5933C-F508-CB41-8F92-48355F398767}"/>
+                              </a:ext>
+                            </a:extLst>
+                          </p:cNvPr>
+                          <p:cNvPicPr>
+                            <a:picLocks noChangeAspect="1"/>
+                          </p:cNvPicPr>
+                          <p:nvPr/>
+                        </p:nvPicPr>
+                        <p:blipFill>
+                          <a:blip r:embed="rId8"/>
+                          <a:stretch>
+                            <a:fillRect/>
+                          </a:stretch>
+                        </p:blipFill>
+                        <p:spPr>
+                          <a:xfrm>
+                            <a:off x="359723" y="13350894"/>
+                            <a:ext cx="1218405" cy="1218405"/>
+                          </a:xfrm>
+                          <a:prstGeom prst="rect">
+                            <a:avLst/>
+                          </a:prstGeom>
+                        </p:spPr>
+                      </p:pic>
+                      <p:sp>
+                        <p:nvSpPr>
+                          <p:cNvPr id="24" name="Frame 23">
+                            <a:extLst>
+                              <a:ext uri="{FF2B5EF4-FFF2-40B4-BE49-F238E27FC236}">
+                                <a16:creationId xmlns:a16="http://schemas.microsoft.com/office/drawing/2014/main" id="{984ABC47-EE9E-9442-A5BD-FDF785EA9995}"/>
+                              </a:ext>
+                            </a:extLst>
+                          </p:cNvPr>
+                          <p:cNvSpPr/>
+                          <p:nvPr/>
+                        </p:nvSpPr>
+                        <p:spPr>
+                          <a:xfrm>
+                            <a:off x="359723" y="13350894"/>
+                            <a:ext cx="1218405" cy="3667106"/>
+                          </a:xfrm>
+                          <a:prstGeom prst="frame">
+                            <a:avLst>
+                              <a:gd name="adj1" fmla="val 0"/>
+                            </a:avLst>
+                          </a:prstGeom>
+                        </p:spPr>
+                        <p:style>
+                          <a:lnRef idx="2">
+                            <a:schemeClr val="accent1">
+                              <a:shade val="50000"/>
+                            </a:schemeClr>
+                          </a:lnRef>
+                          <a:fillRef idx="1">
+                            <a:schemeClr val="accent1"/>
+                          </a:fillRef>
+                          <a:effectRef idx="0">
+                            <a:schemeClr val="accent1"/>
+                          </a:effectRef>
+                          <a:fontRef idx="minor">
+                            <a:schemeClr val="lt1"/>
+                          </a:fontRef>
+                        </p:style>
+                        <p:txBody>
+                          <a:bodyPr rtlCol="0" anchor="ctr"/>
+                          <a:lstStyle/>
+                          <a:p>
+                            <a:pPr algn="ctr"/>
+                            <a:endParaRPr lang="de-DE">
+                              <a:solidFill>
+                                <a:schemeClr val="tx1"/>
+                              </a:solidFill>
+                            </a:endParaRPr>
+                          </a:p>
+                        </p:txBody>
+                      </p:sp>
+                      <p:cxnSp>
+                        <p:nvCxnSpPr>
+                          <p:cNvPr id="26" name="Straight Connector 25">
+                            <a:extLst>
+                              <a:ext uri="{FF2B5EF4-FFF2-40B4-BE49-F238E27FC236}">
+                                <a16:creationId xmlns:a16="http://schemas.microsoft.com/office/drawing/2014/main" id="{BC819F6B-2C7F-7845-8325-107B7720EAF5}"/>
+                              </a:ext>
+                            </a:extLst>
+                          </p:cNvPr>
+                          <p:cNvCxnSpPr/>
+                          <p:nvPr/>
+                        </p:nvCxnSpPr>
+                        <p:spPr>
+                          <a:xfrm>
+                            <a:off x="359723" y="15762078"/>
+                            <a:ext cx="1218405" cy="0"/>
+                          </a:xfrm>
+                          <a:prstGeom prst="line">
+                            <a:avLst/>
+                          </a:prstGeom>
+                        </p:spPr>
+                        <p:style>
+                          <a:lnRef idx="1">
+                            <a:schemeClr val="accent1"/>
+                          </a:lnRef>
+                          <a:fillRef idx="0">
+                            <a:schemeClr val="accent1"/>
+                          </a:fillRef>
+                          <a:effectRef idx="0">
+                            <a:schemeClr val="accent1"/>
+                          </a:effectRef>
+                          <a:fontRef idx="minor">
+                            <a:schemeClr val="tx1"/>
+                          </a:fontRef>
+                        </p:style>
+                      </p:cxnSp>
+                      <p:cxnSp>
+                        <p:nvCxnSpPr>
+                          <p:cNvPr id="27" name="Straight Connector 26">
+                            <a:extLst>
+                              <a:ext uri="{FF2B5EF4-FFF2-40B4-BE49-F238E27FC236}">
+                                <a16:creationId xmlns:a16="http://schemas.microsoft.com/office/drawing/2014/main" id="{27D0EFDF-9957-0B42-A762-582D3C5F0899}"/>
+                              </a:ext>
+                            </a:extLst>
+                          </p:cNvPr>
+                          <p:cNvCxnSpPr/>
+                          <p:nvPr/>
+                        </p:nvCxnSpPr>
+                        <p:spPr>
+                          <a:xfrm>
+                            <a:off x="359723" y="14476916"/>
+                            <a:ext cx="1218405" cy="0"/>
+                          </a:xfrm>
+                          <a:prstGeom prst="line">
+                            <a:avLst/>
+                          </a:prstGeom>
+                        </p:spPr>
+                        <p:style>
+                          <a:lnRef idx="1">
+                            <a:schemeClr val="accent1"/>
+                          </a:lnRef>
+                          <a:fillRef idx="0">
+                            <a:schemeClr val="accent1"/>
+                          </a:fillRef>
+                          <a:effectRef idx="0">
+                            <a:schemeClr val="accent1"/>
+                          </a:effectRef>
+                          <a:fontRef idx="minor">
+                            <a:schemeClr val="tx1"/>
+                          </a:fontRef>
+                        </p:style>
+                      </p:cxnSp>
+                    </p:grpSp>
+                    <p:sp>
+                      <p:nvSpPr>
+                        <p:cNvPr id="34" name="Triangle 33">
+                          <a:extLst>
+                            <a:ext uri="{FF2B5EF4-FFF2-40B4-BE49-F238E27FC236}">
+                              <a16:creationId xmlns:a16="http://schemas.microsoft.com/office/drawing/2014/main" id="{53D49AED-959F-F34B-8110-B00B64BD8066}"/>
+                            </a:ext>
+                          </a:extLst>
+                        </p:cNvPr>
+                        <p:cNvSpPr/>
+                        <p:nvPr/>
+                      </p:nvSpPr>
+                      <p:spPr>
+                        <a:xfrm rot="5400000">
+                          <a:off x="268244" y="14660779"/>
+                          <a:ext cx="3667107" cy="1047340"/>
+                        </a:xfrm>
+                        <a:prstGeom prst="triangle">
+                          <a:avLst/>
+                        </a:prstGeom>
+                      </p:spPr>
+                      <p:style>
+                        <a:lnRef idx="2">
+                          <a:schemeClr val="accent1">
+                            <a:shade val="50000"/>
+                          </a:schemeClr>
+                        </a:lnRef>
+                        <a:fillRef idx="1">
+                          <a:schemeClr val="accent1"/>
+                        </a:fillRef>
+                        <a:effectRef idx="0">
+                          <a:schemeClr val="accent1"/>
+                        </a:effectRef>
+                        <a:fontRef idx="minor">
+                          <a:schemeClr val="lt1"/>
+                        </a:fontRef>
+                      </p:style>
+                      <p:txBody>
+                        <a:bodyPr rtlCol="0" anchor="ctr"/>
+                        <a:lstStyle/>
+                        <a:p>
+                          <a:pPr algn="ctr"/>
+                          <a:endParaRPr lang="de-DE"/>
+                        </a:p>
+                      </p:txBody>
+                    </p:sp>
+                    <p:sp>
+                      <p:nvSpPr>
+                        <p:cNvPr id="35" name="Right Arrow 34">
+                          <a:extLst>
+                            <a:ext uri="{FF2B5EF4-FFF2-40B4-BE49-F238E27FC236}">
+                              <a16:creationId xmlns:a16="http://schemas.microsoft.com/office/drawing/2014/main" id="{55D9575C-4F06-2540-B9AF-6C7A2E018AE9}"/>
+                            </a:ext>
+                          </a:extLst>
+                        </p:cNvPr>
+                        <p:cNvSpPr/>
+                        <p:nvPr/>
+                      </p:nvSpPr>
+                      <p:spPr>
+                        <a:xfrm>
+                          <a:off x="4685376" y="15016261"/>
+                          <a:ext cx="838352" cy="336371"/>
+                        </a:xfrm>
+                        <a:prstGeom prst="rightArrow">
+                          <a:avLst/>
+                        </a:prstGeom>
+                      </p:spPr>
+                      <p:style>
+                        <a:lnRef idx="2">
+                          <a:schemeClr val="accent1">
+                            <a:shade val="50000"/>
+                          </a:schemeClr>
+                        </a:lnRef>
+                        <a:fillRef idx="1">
+                          <a:schemeClr val="accent1"/>
+                        </a:fillRef>
+                        <a:effectRef idx="0">
+                          <a:schemeClr val="accent1"/>
+                        </a:effectRef>
+                        <a:fontRef idx="minor">
+                          <a:schemeClr val="lt1"/>
+                        </a:fontRef>
+                      </p:style>
+                      <p:txBody>
+                        <a:bodyPr rtlCol="0" anchor="ctr"/>
+                        <a:lstStyle/>
+                        <a:p>
+                          <a:pPr algn="ctr"/>
+                          <a:endParaRPr lang="de-DE"/>
+                        </a:p>
+                      </p:txBody>
+                    </p:sp>
+                    <p:sp>
+                      <p:nvSpPr>
+                        <p:cNvPr id="36" name="TextBox 35">
+                          <a:extLst>
+                            <a:ext uri="{FF2B5EF4-FFF2-40B4-BE49-F238E27FC236}">
+                              <a16:creationId xmlns:a16="http://schemas.microsoft.com/office/drawing/2014/main" id="{2096CC4E-FC6C-0741-B30A-4E53634E2979}"/>
+                            </a:ext>
+                          </a:extLst>
+                        </p:cNvPr>
+                        <p:cNvSpPr txBox="1"/>
+                        <p:nvPr/>
+                      </p:nvSpPr>
+                      <p:spPr>
+                        <a:xfrm>
+                          <a:off x="6859585" y="11575127"/>
+                          <a:ext cx="3618298" cy="523220"/>
+                        </a:xfrm>
+                        <a:prstGeom prst="rect">
+                          <a:avLst/>
+                        </a:prstGeom>
+                        <a:noFill/>
+                      </p:spPr>
+                      <p:txBody>
+                        <a:bodyPr wrap="none" rtlCol="0">
+                          <a:spAutoFit/>
+                        </a:bodyPr>
+                        <a:lstStyle/>
+                        <a:p>
+                          <a:r>
+                            <a:rPr lang="de-DE" sz="2800" dirty="0"/>
+                            <a:t>Jojo.epi.bris.ac.uk:9449</a:t>
+                          </a:r>
+                        </a:p>
+                      </p:txBody>
+                    </p:sp>
+                  </p:grpSp>
+                </p:grpSp>
+                <p:sp>
+                  <p:nvSpPr>
+                    <p:cNvPr id="41" name="Left-right Arrow 40">
+                      <a:extLst>
+                        <a:ext uri="{FF2B5EF4-FFF2-40B4-BE49-F238E27FC236}">
+                          <a16:creationId xmlns:a16="http://schemas.microsoft.com/office/drawing/2014/main" id="{0552871A-8A78-8C49-92B2-B013EEBE6053}"/>
+                        </a:ext>
+                      </a:extLst>
+                    </p:cNvPr>
+                    <p:cNvSpPr/>
+                    <p:nvPr/>
+                  </p:nvSpPr>
+                  <p:spPr>
+                    <a:xfrm>
+                      <a:off x="2097466" y="14913846"/>
+                      <a:ext cx="1068593" cy="439600"/>
+                    </a:xfrm>
+                    <a:prstGeom prst="leftRightArrow">
+                      <a:avLst/>
+                    </a:prstGeom>
+                  </p:spPr>
+                  <p:style>
+                    <a:lnRef idx="2">
+                      <a:schemeClr val="accent1">
+                        <a:shade val="50000"/>
+                      </a:schemeClr>
+                    </a:lnRef>
+                    <a:fillRef idx="1">
+                      <a:schemeClr val="accent1"/>
+                    </a:fillRef>
+                    <a:effectRef idx="0">
+                      <a:schemeClr val="accent1"/>
+                    </a:effectRef>
+                    <a:fontRef idx="minor">
+                      <a:schemeClr val="lt1"/>
+                    </a:fontRef>
+                  </p:style>
+                  <p:txBody>
+                    <a:bodyPr rtlCol="0" anchor="ctr"/>
+                    <a:lstStyle/>
+                    <a:p>
+                      <a:pPr algn="ctr"/>
+                      <a:endParaRPr lang="de-DE"/>
+                    </a:p>
+                  </p:txBody>
+                </p:sp>
+                <p:grpSp>
+                  <p:nvGrpSpPr>
+                    <p:cNvPr id="43" name="Group 42">
+                      <a:extLst>
+                        <a:ext uri="{FF2B5EF4-FFF2-40B4-BE49-F238E27FC236}">
+                          <a16:creationId xmlns:a16="http://schemas.microsoft.com/office/drawing/2014/main" id="{DFD4AB2D-EAA9-E940-B129-C398F33BB7B6}"/>
+                        </a:ext>
+                      </a:extLst>
+                    </p:cNvPr>
+                    <p:cNvGrpSpPr/>
+                    <p:nvPr/>
+                  </p:nvGrpSpPr>
+                  <p:grpSpPr>
+                    <a:xfrm>
+                      <a:off x="581834" y="13916737"/>
+                      <a:ext cx="1415060" cy="1924439"/>
+                      <a:chOff x="581834" y="13916737"/>
+                      <a:chExt cx="1415060" cy="1924439"/>
+                    </a:xfrm>
+                  </p:grpSpPr>
+                  <p:pic>
+                    <p:nvPicPr>
+                      <p:cNvPr id="39" name="Picture 38">
+                        <a:extLst>
+                          <a:ext uri="{FF2B5EF4-FFF2-40B4-BE49-F238E27FC236}">
+                            <a16:creationId xmlns:a16="http://schemas.microsoft.com/office/drawing/2014/main" id="{AE1E1B5B-48B5-2642-8CB3-ECEAA035DD19}"/>
+                          </a:ext>
+                        </a:extLst>
+                      </p:cNvPr>
+                      <p:cNvPicPr>
+                        <a:picLocks noChangeAspect="1"/>
+                      </p:cNvPicPr>
+                      <p:nvPr/>
+                    </p:nvPicPr>
+                    <p:blipFill>
+                      <a:blip r:embed="rId9"/>
+                      <a:stretch>
+                        <a:fillRect/>
+                      </a:stretch>
+                    </p:blipFill>
+                    <p:spPr>
+                      <a:xfrm>
+                        <a:off x="581834" y="14426116"/>
+                        <a:ext cx="1415060" cy="1415060"/>
+                      </a:xfrm>
+                      <a:prstGeom prst="rect">
+                        <a:avLst/>
+                      </a:prstGeom>
+                    </p:spPr>
+                  </p:pic>
+                  <p:sp>
+                    <p:nvSpPr>
+                      <p:cNvPr id="42" name="TextBox 41">
+                        <a:extLst>
+                          <a:ext uri="{FF2B5EF4-FFF2-40B4-BE49-F238E27FC236}">
+                            <a16:creationId xmlns:a16="http://schemas.microsoft.com/office/drawing/2014/main" id="{47897832-DCBA-8540-B6A6-04AA9A034EA0}"/>
+                          </a:ext>
+                        </a:extLst>
+                      </p:cNvPr>
+                      <p:cNvSpPr txBox="1"/>
+                      <p:nvPr/>
+                    </p:nvSpPr>
+                    <p:spPr>
+                      <a:xfrm>
+                        <a:off x="697022" y="13916737"/>
+                        <a:ext cx="1184683" cy="523220"/>
+                      </a:xfrm>
+                      <a:prstGeom prst="rect">
+                        <a:avLst/>
+                      </a:prstGeom>
+                      <a:noFill/>
+                    </p:spPr>
+                    <p:txBody>
+                      <a:bodyPr wrap="none" rtlCol="0">
+                        <a:spAutoFit/>
+                      </a:bodyPr>
+                      <a:lstStyle/>
+                      <a:p>
+                        <a:r>
+                          <a:rPr lang="de-DE" sz="2800" dirty="0" err="1"/>
+                          <a:t>mySQL</a:t>
+                        </a:r>
+                        <a:endParaRPr lang="de-DE" sz="2800" dirty="0"/>
+                      </a:p>
+                    </p:txBody>
+                  </p:sp>
+                </p:grpSp>
+              </p:grpSp>
+              <p:pic>
+                <p:nvPicPr>
+                  <p:cNvPr id="48" name="Picture 47">
+                    <a:extLst>
+                      <a:ext uri="{FF2B5EF4-FFF2-40B4-BE49-F238E27FC236}">
+                        <a16:creationId xmlns:a16="http://schemas.microsoft.com/office/drawing/2014/main" id="{D7BD6959-CF3B-5344-BEA7-910127A6527B}"/>
+                      </a:ext>
+                    </a:extLst>
+                  </p:cNvPr>
+                  <p:cNvPicPr>
+                    <a:picLocks noChangeAspect="1"/>
+                  </p:cNvPicPr>
+                  <p:nvPr/>
+                </p:nvPicPr>
+                <p:blipFill>
+                  <a:blip r:embed="rId10"/>
+                  <a:stretch>
+                    <a:fillRect/>
+                  </a:stretch>
+                </p:blipFill>
+                <p:spPr>
+                  <a:xfrm>
+                    <a:off x="11986953" y="14128126"/>
+                    <a:ext cx="3027059" cy="1583152"/>
+                  </a:xfrm>
+                  <a:prstGeom prst="rect">
+                    <a:avLst/>
+                  </a:prstGeom>
+                </p:spPr>
+              </p:pic>
+              <p:pic>
+                <p:nvPicPr>
+                  <p:cNvPr id="50" name="Picture 49">
+                    <a:extLst>
+                      <a:ext uri="{FF2B5EF4-FFF2-40B4-BE49-F238E27FC236}">
+                        <a16:creationId xmlns:a16="http://schemas.microsoft.com/office/drawing/2014/main" id="{62206AEC-EE84-5D40-8B2A-E3915CECF9FF}"/>
+                      </a:ext>
+                    </a:extLst>
+                  </p:cNvPr>
+                  <p:cNvPicPr>
+                    <a:picLocks noChangeAspect="1"/>
+                  </p:cNvPicPr>
+                  <p:nvPr/>
+                </p:nvPicPr>
+                <p:blipFill>
+                  <a:blip r:embed="rId11"/>
+                  <a:stretch>
+                    <a:fillRect/>
+                  </a:stretch>
+                </p:blipFill>
+                <p:spPr>
+                  <a:xfrm>
+                    <a:off x="11023998" y="12076049"/>
+                    <a:ext cx="1334673" cy="1334673"/>
+                  </a:xfrm>
+                  <a:prstGeom prst="rect">
+                    <a:avLst/>
+                  </a:prstGeom>
+                </p:spPr>
+              </p:pic>
+              <p:sp>
+                <p:nvSpPr>
+                  <p:cNvPr id="51" name="TextBox 50">
+                    <a:extLst>
+                      <a:ext uri="{FF2B5EF4-FFF2-40B4-BE49-F238E27FC236}">
+                        <a16:creationId xmlns:a16="http://schemas.microsoft.com/office/drawing/2014/main" id="{7078472D-0225-6C45-BE81-29D725F869A6}"/>
+                      </a:ext>
+                    </a:extLst>
+                  </p:cNvPr>
+                  <p:cNvSpPr txBox="1"/>
+                  <p:nvPr/>
+                </p:nvSpPr>
+                <p:spPr>
+                  <a:xfrm>
+                    <a:off x="7947039" y="13821093"/>
+                    <a:ext cx="3389069" cy="400110"/>
+                  </a:xfrm>
+                  <a:prstGeom prst="rect">
+                    <a:avLst/>
+                  </a:prstGeom>
+                  <a:noFill/>
+                </p:spPr>
+                <p:txBody>
+                  <a:bodyPr wrap="none" rtlCol="0">
+                    <a:spAutoFit/>
+                  </a:bodyPr>
+                  <a:lstStyle/>
+                  <a:p>
+                    <a:r>
+                      <a:rPr lang="de-DE" sz="2000" dirty="0"/>
+                      <a:t>Jojo.epi.bris.ac.uk:9449 </a:t>
+                    </a:r>
+                    <a:r>
+                      <a:rPr lang="de-DE" sz="2000" dirty="0">
+                        <a:sym typeface="Wingdings" pitchFamily="2" charset="2"/>
+                      </a:rPr>
+                      <a:t> 443</a:t>
+                    </a:r>
+                    <a:endParaRPr lang="de-DE" sz="2000" dirty="0"/>
+                  </a:p>
+                </p:txBody>
+              </p:sp>
+            </p:grpSp>
+            <p:pic>
+              <p:nvPicPr>
+                <p:cNvPr id="59" name="Picture 58">
+                  <a:extLst>
+                    <a:ext uri="{FF2B5EF4-FFF2-40B4-BE49-F238E27FC236}">
+                      <a16:creationId xmlns:a16="http://schemas.microsoft.com/office/drawing/2014/main" id="{A936193D-2334-F447-8141-AA469E099C6B}"/>
+                    </a:ext>
+                  </a:extLst>
+                </p:cNvPr>
+                <p:cNvPicPr>
+                  <a:picLocks noChangeAspect="1"/>
+                </p:cNvPicPr>
+                <p:nvPr/>
+              </p:nvPicPr>
+              <p:blipFill>
+                <a:blip r:embed="rId12"/>
+                <a:stretch>
+                  <a:fillRect/>
+                </a:stretch>
+              </p:blipFill>
+              <p:spPr>
+                <a:xfrm flipH="1">
+                  <a:off x="15259932" y="13909296"/>
+                  <a:ext cx="1770618" cy="1770618"/>
+                </a:xfrm>
+                <a:prstGeom prst="rect">
+                  <a:avLst/>
+                </a:prstGeom>
+              </p:spPr>
+            </p:pic>
+          </p:grpSp>
+        </p:grpSp>
+        <p:sp>
+          <p:nvSpPr>
+            <p:cNvPr id="62" name="TextBox 61">
+              <a:extLst>
+                <a:ext uri="{FF2B5EF4-FFF2-40B4-BE49-F238E27FC236}">
+                  <a16:creationId xmlns:a16="http://schemas.microsoft.com/office/drawing/2014/main" id="{7DD3C641-E65D-5045-B4B0-ECEC488E1552}"/>
+                </a:ext>
+              </a:extLst>
+            </p:cNvPr>
+            <p:cNvSpPr txBox="1"/>
+            <p:nvPr/>
+          </p:nvSpPr>
+          <p:spPr>
+            <a:xfrm>
+              <a:off x="16899630" y="12767728"/>
+              <a:ext cx="2860477" cy="1200329"/>
+            </a:xfrm>
+            <a:prstGeom prst="rect">
+              <a:avLst/>
+            </a:prstGeom>
+            <a:noFill/>
+          </p:spPr>
+          <p:txBody>
+            <a:bodyPr wrap="square" rtlCol="0">
+              <a:spAutoFit/>
+            </a:bodyPr>
+            <a:lstStyle/>
+            <a:p>
+              <a:r>
+                <a:rPr lang="en-GB" sz="2400" dirty="0"/>
+                <a:t>“For breakfast I had </a:t>
+              </a:r>
+            </a:p>
+            <a:p>
+              <a:r>
+                <a:rPr lang="en-GB" sz="2400" dirty="0"/>
+                <a:t>a bagel and a cup of coffee”</a:t>
+              </a:r>
+            </a:p>
+          </p:txBody>
+        </p:sp>
+        <p:sp>
+          <p:nvSpPr>
+            <p:cNvPr id="63" name="TextBox 62">
+              <a:extLst>
+                <a:ext uri="{FF2B5EF4-FFF2-40B4-BE49-F238E27FC236}">
+                  <a16:creationId xmlns:a16="http://schemas.microsoft.com/office/drawing/2014/main" id="{B50C0332-7A36-6346-AF39-B31FB8526F1A}"/>
+                </a:ext>
+              </a:extLst>
+            </p:cNvPr>
+            <p:cNvSpPr txBox="1"/>
+            <p:nvPr/>
+          </p:nvSpPr>
+          <p:spPr>
+            <a:xfrm>
+              <a:off x="13594872" y="15618485"/>
+              <a:ext cx="3582455" cy="2799933"/>
+            </a:xfrm>
+            <a:prstGeom prst="rect">
+              <a:avLst/>
+            </a:prstGeom>
+            <a:noFill/>
+            <a:ln>
+              <a:solidFill>
+                <a:schemeClr val="accent1">
+                  <a:shade val="50000"/>
+                </a:schemeClr>
+              </a:solidFill>
+            </a:ln>
+          </p:spPr>
+          <p:txBody>
+            <a:bodyPr wrap="square" rtlCol="0">
+              <a:spAutoFit/>
+            </a:bodyPr>
+            <a:lstStyle/>
+            <a:p>
+              <a:r>
+                <a:rPr lang="en-GB" sz="2000" dirty="0"/>
+                <a:t>{</a:t>
+              </a:r>
+            </a:p>
+            <a:p>
+              <a:pPr lvl="1"/>
+              <a:r>
+                <a:rPr lang="en-GB" sz="2000" dirty="0"/>
+                <a:t>Meal: “breakfast”,</a:t>
+              </a:r>
+            </a:p>
+            <a:p>
+              <a:pPr lvl="1"/>
+              <a:r>
+                <a:rPr lang="en-GB" sz="2000" dirty="0"/>
+                <a:t>Food: “bagel”, </a:t>
+              </a:r>
+            </a:p>
+            <a:p>
+              <a:pPr lvl="1"/>
+              <a:r>
+                <a:rPr lang="en-GB" sz="2000" dirty="0" err="1"/>
+                <a:t>Amount_food</a:t>
+              </a:r>
+              <a:r>
+                <a:rPr lang="en-GB" sz="2000" dirty="0"/>
+                <a:t>: “1”, </a:t>
+              </a:r>
+            </a:p>
+            <a:p>
+              <a:pPr lvl="1"/>
+              <a:r>
+                <a:rPr lang="en-GB" sz="2000" dirty="0"/>
+                <a:t>Drink: “coffee”, </a:t>
+              </a:r>
+            </a:p>
+            <a:p>
+              <a:pPr lvl="1"/>
+              <a:r>
+                <a:rPr lang="en-GB" sz="2000" dirty="0" err="1"/>
+                <a:t>Amount_drink</a:t>
+              </a:r>
+              <a:r>
+                <a:rPr lang="en-GB" sz="2000" dirty="0"/>
+                <a:t>: “1 cup”,</a:t>
+              </a:r>
+            </a:p>
+            <a:p>
+              <a:pPr lvl="1"/>
+              <a:r>
+                <a:rPr lang="en-GB" sz="2000" dirty="0" err="1"/>
+                <a:t>UserID</a:t>
+              </a:r>
+              <a:r>
+                <a:rPr lang="en-GB" sz="2000" dirty="0"/>
+                <a:t>: “12345”</a:t>
+              </a:r>
+            </a:p>
+            <a:p>
+              <a:r>
+                <a:rPr lang="en-GB" sz="2000" dirty="0"/>
+                <a:t>}</a:t>
+              </a:r>
+            </a:p>
+          </p:txBody>
+        </p:sp>
+      </p:grpSp>
+      <p:sp>
+        <p:nvSpPr>
+          <p:cNvPr id="65" name="TextBox 64">
+            <a:extLst>
+              <a:ext uri="{FF2B5EF4-FFF2-40B4-BE49-F238E27FC236}">
+                <a16:creationId xmlns:a16="http://schemas.microsoft.com/office/drawing/2014/main" id="{8A68C738-C162-3C4C-8D3B-9702774B6E5F}"/>
+              </a:ext>
+            </a:extLst>
+          </p:cNvPr>
+          <p:cNvSpPr txBox="1"/>
+          <p:nvPr/>
+        </p:nvSpPr>
+        <p:spPr>
+          <a:xfrm>
+            <a:off x="504159" y="11401239"/>
+            <a:ext cx="9846819" cy="4585871"/>
+          </a:xfrm>
+          <a:prstGeom prst="rect">
+            <a:avLst/>
+          </a:prstGeom>
+          <a:solidFill>
+            <a:schemeClr val="accent2">
+              <a:lumMod val="20000"/>
+              <a:lumOff val="80000"/>
+            </a:schemeClr>
+          </a:solidFill>
+        </p:spPr>
+        <p:txBody>
+          <a:bodyPr wrap="square" rtlCol="0">
+            <a:spAutoFit/>
+          </a:bodyPr>
+          <a:lstStyle/>
+          <a:p>
+            <a:r>
+              <a:rPr lang="de-DE" sz="3600" u="sng" dirty="0"/>
+              <a:t>Approach:</a:t>
+            </a:r>
+          </a:p>
+          <a:p>
+            <a:pPr marL="514350" indent="-514350">
+              <a:buAutoNum type="arabicPeriod"/>
+            </a:pPr>
+            <a:r>
+              <a:rPr lang="de-DE" sz="2800" dirty="0" err="1"/>
+              <a:t>Develop</a:t>
+            </a:r>
+            <a:r>
+              <a:rPr lang="de-DE" sz="2800" dirty="0"/>
+              <a:t> Alexa </a:t>
+            </a:r>
+            <a:r>
+              <a:rPr lang="de-DE" sz="2800" dirty="0" err="1"/>
+              <a:t>Skill</a:t>
+            </a:r>
+            <a:r>
+              <a:rPr lang="de-DE" sz="2800" dirty="0"/>
+              <a:t> on Developer Portal</a:t>
+            </a:r>
+          </a:p>
+          <a:p>
+            <a:pPr marL="514350" indent="-514350">
+              <a:buAutoNum type="arabicPeriod"/>
+            </a:pPr>
+            <a:r>
+              <a:rPr lang="de-DE" sz="2800" dirty="0"/>
+              <a:t>Create Java </a:t>
+            </a:r>
+            <a:r>
+              <a:rPr lang="de-DE" sz="2800" dirty="0" err="1"/>
+              <a:t>Application</a:t>
+            </a:r>
+            <a:r>
+              <a:rPr lang="de-DE" sz="2800" dirty="0"/>
+              <a:t> </a:t>
+            </a:r>
+            <a:r>
+              <a:rPr lang="de-DE" sz="2800" dirty="0" err="1"/>
+              <a:t>to</a:t>
+            </a:r>
+            <a:r>
+              <a:rPr lang="de-DE" sz="2800" dirty="0"/>
+              <a:t> handle </a:t>
+            </a:r>
+            <a:r>
+              <a:rPr lang="de-DE" sz="2800" dirty="0" err="1"/>
+              <a:t>intents</a:t>
+            </a:r>
+            <a:r>
+              <a:rPr lang="de-DE" sz="2800" dirty="0"/>
+              <a:t> </a:t>
+            </a:r>
+            <a:r>
+              <a:rPr lang="de-DE" sz="2800" dirty="0" err="1"/>
+              <a:t>dispatched</a:t>
+            </a:r>
+            <a:r>
+              <a:rPr lang="de-DE" sz="2800" dirty="0"/>
+              <a:t> </a:t>
+            </a:r>
+            <a:r>
+              <a:rPr lang="de-DE" sz="2800" dirty="0" err="1"/>
+              <a:t>by</a:t>
+            </a:r>
+            <a:r>
+              <a:rPr lang="de-DE" sz="2800" dirty="0"/>
+              <a:t> </a:t>
+            </a:r>
+            <a:r>
+              <a:rPr lang="de-DE" sz="2800" dirty="0" err="1"/>
+              <a:t>the</a:t>
+            </a:r>
+            <a:r>
+              <a:rPr lang="de-DE" sz="2800" dirty="0"/>
+              <a:t> </a:t>
+            </a:r>
+            <a:r>
+              <a:rPr lang="de-DE" sz="2800" dirty="0" err="1"/>
+              <a:t>skill</a:t>
+            </a:r>
+            <a:r>
+              <a:rPr lang="de-DE" sz="2800" dirty="0"/>
+              <a:t>.</a:t>
+            </a:r>
+          </a:p>
+          <a:p>
+            <a:pPr marL="514350" indent="-514350">
+              <a:buAutoNum type="arabicPeriod"/>
+            </a:pPr>
+            <a:r>
+              <a:rPr lang="de-DE" sz="2800" dirty="0"/>
+              <a:t>Set </a:t>
+            </a:r>
+            <a:r>
+              <a:rPr lang="de-DE" sz="2800" dirty="0" err="1"/>
+              <a:t>up</a:t>
+            </a:r>
+            <a:r>
+              <a:rPr lang="de-DE" sz="2800" dirty="0"/>
+              <a:t> </a:t>
+            </a:r>
+            <a:r>
+              <a:rPr lang="de-DE" sz="2800" dirty="0" err="1"/>
+              <a:t>mySQL</a:t>
+            </a:r>
+            <a:r>
+              <a:rPr lang="de-DE" sz="2800" dirty="0"/>
+              <a:t> </a:t>
+            </a:r>
+            <a:r>
+              <a:rPr lang="de-DE" sz="2800" dirty="0" err="1"/>
+              <a:t>database</a:t>
+            </a:r>
+            <a:r>
+              <a:rPr lang="de-DE" sz="2800" dirty="0"/>
+              <a:t> </a:t>
+            </a:r>
+            <a:r>
+              <a:rPr lang="de-DE" sz="2800" dirty="0" err="1"/>
+              <a:t>for</a:t>
+            </a:r>
+            <a:r>
+              <a:rPr lang="de-DE" sz="2800" dirty="0"/>
+              <a:t> </a:t>
+            </a:r>
+            <a:r>
+              <a:rPr lang="de-DE" sz="2800" dirty="0" err="1"/>
+              <a:t>nutrition</a:t>
+            </a:r>
+            <a:r>
+              <a:rPr lang="de-DE" sz="2800" dirty="0"/>
+              <a:t> </a:t>
+            </a:r>
+            <a:r>
+              <a:rPr lang="de-DE" sz="2800" dirty="0" err="1"/>
+              <a:t>data</a:t>
+            </a:r>
+            <a:r>
+              <a:rPr lang="de-DE" sz="2800" dirty="0"/>
+              <a:t> </a:t>
+            </a:r>
+            <a:r>
+              <a:rPr lang="de-DE" sz="2800" dirty="0" err="1"/>
+              <a:t>storage</a:t>
+            </a:r>
+            <a:endParaRPr lang="de-DE" sz="2800" dirty="0"/>
+          </a:p>
+          <a:p>
+            <a:pPr marL="514350" indent="-514350">
+              <a:buAutoNum type="arabicPeriod"/>
+            </a:pPr>
+            <a:r>
+              <a:rPr lang="de-DE" sz="2800" dirty="0"/>
+              <a:t>Host Java App </a:t>
+            </a:r>
+            <a:r>
+              <a:rPr lang="de-DE" sz="2800" dirty="0" err="1"/>
+              <a:t>and</a:t>
+            </a:r>
+            <a:r>
+              <a:rPr lang="de-DE" sz="2800" dirty="0"/>
+              <a:t> </a:t>
+            </a:r>
+            <a:r>
+              <a:rPr lang="de-DE" sz="2800" dirty="0" err="1"/>
+              <a:t>database</a:t>
+            </a:r>
+            <a:r>
+              <a:rPr lang="de-DE" sz="2800" dirty="0"/>
+              <a:t> on </a:t>
+            </a:r>
+            <a:r>
+              <a:rPr lang="de-DE" sz="2800" dirty="0" err="1"/>
+              <a:t>Tomcat</a:t>
+            </a:r>
+            <a:r>
+              <a:rPr lang="de-DE" sz="2800" dirty="0"/>
+              <a:t> Server</a:t>
+            </a:r>
+          </a:p>
+          <a:p>
+            <a:pPr marL="514350" indent="-514350">
+              <a:buAutoNum type="arabicPeriod"/>
+            </a:pPr>
+            <a:r>
+              <a:rPr lang="de-DE" sz="2800" dirty="0" err="1"/>
+              <a:t>Configure</a:t>
+            </a:r>
+            <a:r>
+              <a:rPr lang="de-DE" sz="2800" dirty="0"/>
+              <a:t> Alexa </a:t>
+            </a:r>
+            <a:r>
+              <a:rPr lang="de-DE" sz="2800" dirty="0" err="1"/>
+              <a:t>skill</a:t>
+            </a:r>
+            <a:r>
+              <a:rPr lang="de-DE" sz="2800" dirty="0"/>
+              <a:t> </a:t>
+            </a:r>
+            <a:r>
+              <a:rPr lang="de-DE" sz="2800" dirty="0" err="1"/>
+              <a:t>to</a:t>
+            </a:r>
+            <a:r>
+              <a:rPr lang="de-DE" sz="2800" dirty="0"/>
+              <a:t> </a:t>
+            </a:r>
+            <a:r>
+              <a:rPr lang="de-DE" sz="2800" dirty="0" err="1"/>
+              <a:t>use</a:t>
+            </a:r>
+            <a:r>
+              <a:rPr lang="de-DE" sz="2800" dirty="0"/>
+              <a:t> </a:t>
+            </a:r>
+            <a:r>
+              <a:rPr lang="de-DE" sz="2800" dirty="0" err="1"/>
+              <a:t>the</a:t>
+            </a:r>
+            <a:r>
+              <a:rPr lang="de-DE" sz="2800" dirty="0"/>
+              <a:t> </a:t>
+            </a:r>
+            <a:r>
+              <a:rPr lang="de-DE" sz="2800" dirty="0" err="1"/>
+              <a:t>server</a:t>
+            </a:r>
+            <a:r>
+              <a:rPr lang="de-DE" sz="2800" dirty="0"/>
+              <a:t> </a:t>
+            </a:r>
+            <a:r>
+              <a:rPr lang="de-DE" sz="2800" dirty="0" err="1"/>
+              <a:t>endpoint</a:t>
+            </a:r>
+            <a:r>
+              <a:rPr lang="de-DE" sz="2800" dirty="0"/>
+              <a:t>. </a:t>
+            </a:r>
+          </a:p>
+          <a:p>
+            <a:pPr marL="514350" indent="-514350">
+              <a:buAutoNum type="arabicPeriod"/>
+            </a:pPr>
+            <a:r>
+              <a:rPr lang="de-DE" sz="2800" dirty="0"/>
+              <a:t>Create Docker </a:t>
+            </a:r>
+            <a:r>
+              <a:rPr lang="de-DE" sz="2800" dirty="0" err="1"/>
+              <a:t>image</a:t>
+            </a:r>
+            <a:r>
+              <a:rPr lang="de-DE" sz="2800" dirty="0"/>
+              <a:t> </a:t>
+            </a:r>
+            <a:r>
+              <a:rPr lang="de-DE" sz="2800" dirty="0" err="1"/>
+              <a:t>of</a:t>
+            </a:r>
+            <a:r>
+              <a:rPr lang="de-DE" sz="2800" dirty="0"/>
+              <a:t> </a:t>
+            </a:r>
+            <a:r>
+              <a:rPr lang="de-DE" sz="2800" dirty="0" err="1"/>
+              <a:t>stack</a:t>
+            </a:r>
+            <a:endParaRPr lang="de-DE" sz="2800" dirty="0"/>
+          </a:p>
+          <a:p>
+            <a:pPr marL="514350" indent="-514350">
+              <a:buAutoNum type="arabicPeriod"/>
+            </a:pPr>
+            <a:r>
+              <a:rPr lang="de-DE" sz="2800" dirty="0" err="1"/>
+              <a:t>Deploy</a:t>
+            </a:r>
+            <a:r>
+              <a:rPr lang="de-DE" sz="2800" dirty="0"/>
+              <a:t> </a:t>
+            </a:r>
+            <a:r>
+              <a:rPr lang="de-DE" sz="2800" dirty="0" err="1"/>
+              <a:t>docker</a:t>
+            </a:r>
+            <a:r>
+              <a:rPr lang="de-DE" sz="2800" dirty="0"/>
+              <a:t> </a:t>
+            </a:r>
+            <a:r>
+              <a:rPr lang="de-DE" sz="2800" dirty="0" err="1"/>
+              <a:t>image</a:t>
+            </a:r>
+            <a:r>
+              <a:rPr lang="de-DE" sz="2800" dirty="0"/>
+              <a:t> on </a:t>
+            </a:r>
+            <a:r>
+              <a:rPr lang="de-DE" sz="2800" dirty="0" err="1"/>
+              <a:t>university</a:t>
+            </a:r>
+            <a:r>
+              <a:rPr lang="de-DE" sz="2800" dirty="0"/>
+              <a:t> </a:t>
+            </a:r>
+            <a:r>
+              <a:rPr lang="de-DE" sz="2800" dirty="0" err="1"/>
+              <a:t>server</a:t>
+            </a:r>
+            <a:r>
+              <a:rPr lang="de-DE" sz="2800" dirty="0"/>
+              <a:t>.</a:t>
+            </a:r>
+          </a:p>
+          <a:p>
+            <a:pPr marL="514350" indent="-514350">
+              <a:buAutoNum type="arabicPeriod"/>
+            </a:pPr>
+            <a:endParaRPr lang="de-DE" sz="2800" dirty="0"/>
+          </a:p>
+        </p:txBody>
+      </p:sp>
+      <p:sp>
+        <p:nvSpPr>
+          <p:cNvPr id="66" name="TextBox 65">
+            <a:extLst>
+              <a:ext uri="{FF2B5EF4-FFF2-40B4-BE49-F238E27FC236}">
+                <a16:creationId xmlns:a16="http://schemas.microsoft.com/office/drawing/2014/main" id="{5470C1AF-FB69-6C45-A620-45470318C359}"/>
+              </a:ext>
+            </a:extLst>
+          </p:cNvPr>
+          <p:cNvSpPr txBox="1"/>
+          <p:nvPr/>
+        </p:nvSpPr>
+        <p:spPr>
+          <a:xfrm>
+            <a:off x="492914" y="6245866"/>
+            <a:ext cx="9846819" cy="5016758"/>
+          </a:xfrm>
+          <a:prstGeom prst="rect">
+            <a:avLst/>
+          </a:prstGeom>
+          <a:solidFill>
+            <a:schemeClr val="accent5">
+              <a:lumMod val="20000"/>
+              <a:lumOff val="80000"/>
+            </a:schemeClr>
+          </a:solidFill>
+        </p:spPr>
+        <p:txBody>
+          <a:bodyPr wrap="square" rtlCol="0">
+            <a:spAutoFit/>
+          </a:bodyPr>
+          <a:lstStyle/>
+          <a:p>
+            <a:r>
+              <a:rPr lang="de-DE" sz="3600" u="sng" dirty="0"/>
+              <a:t>Motivation:</a:t>
+            </a:r>
+          </a:p>
+          <a:p>
+            <a:r>
+              <a:rPr lang="de-DE" sz="2800" dirty="0" err="1"/>
+              <a:t>Example</a:t>
+            </a:r>
+            <a:r>
+              <a:rPr lang="de-DE" sz="2800" dirty="0"/>
+              <a:t>: </a:t>
+            </a:r>
+            <a:r>
+              <a:rPr lang="en-GB" sz="2800" dirty="0"/>
+              <a:t>“</a:t>
+            </a:r>
+            <a:r>
+              <a:rPr lang="en-US" sz="2800" i="1" dirty="0"/>
+              <a:t>The second generation of the Avon Longitudinal Study of Parent and Children</a:t>
+            </a:r>
+            <a:r>
+              <a:rPr lang="de-DE" sz="2800" dirty="0"/>
+              <a:t> </a:t>
+            </a:r>
+            <a:r>
+              <a:rPr lang="en-GB" sz="2800" dirty="0"/>
+              <a:t>”</a:t>
+            </a:r>
+          </a:p>
+          <a:p>
+            <a:r>
+              <a:rPr lang="en-GB" sz="2800" dirty="0"/>
+              <a:t>This is a generational study, analysing behaviour,, including nutrition of a large group of participants over three generations. </a:t>
+            </a:r>
+          </a:p>
+          <a:p>
+            <a:pPr marL="457200" indent="-457200">
+              <a:buFont typeface="Arial" panose="020B0604020202020204" pitchFamily="34" charset="0"/>
+              <a:buChar char="•"/>
+            </a:pPr>
+            <a:r>
+              <a:rPr lang="en-GB" sz="2800" dirty="0"/>
+              <a:t>Logging data of over 14,000 participants</a:t>
+            </a:r>
+          </a:p>
+          <a:p>
+            <a:pPr marL="457200" indent="-457200">
+              <a:buFont typeface="Arial" panose="020B0604020202020204" pitchFamily="34" charset="0"/>
+              <a:buChar char="•"/>
+            </a:pPr>
+            <a:r>
+              <a:rPr lang="en-GB" sz="2800" dirty="0"/>
+              <a:t>Data has to be reliable/consistent and centralised</a:t>
+            </a:r>
+          </a:p>
+          <a:p>
+            <a:pPr marL="457200" indent="-457200">
+              <a:buFont typeface="Arial" panose="020B0604020202020204" pitchFamily="34" charset="0"/>
+              <a:buChar char="•"/>
+            </a:pPr>
+            <a:r>
+              <a:rPr lang="en-GB" sz="2800" dirty="0"/>
+              <a:t>Traditional methods involve pen/paper </a:t>
+            </a:r>
+          </a:p>
+          <a:p>
+            <a:pPr marL="914400" lvl="1" indent="-457200">
+              <a:buFont typeface="Arial" panose="020B0604020202020204" pitchFamily="34" charset="0"/>
+              <a:buChar char="•"/>
+            </a:pPr>
+            <a:r>
+              <a:rPr lang="en-GB" sz="2800" dirty="0"/>
+              <a:t>Prone to mistakes</a:t>
+            </a:r>
+          </a:p>
+          <a:p>
+            <a:pPr marL="914400" lvl="1" indent="-457200">
+              <a:buFont typeface="Arial" panose="020B0604020202020204" pitchFamily="34" charset="0"/>
+              <a:buChar char="•"/>
+            </a:pPr>
+            <a:r>
+              <a:rPr lang="en-GB" sz="2800" dirty="0"/>
+              <a:t>Tedious</a:t>
+            </a:r>
+          </a:p>
+          <a:p>
+            <a:pPr marL="914400" lvl="1" indent="-457200">
+              <a:buFont typeface="Arial" panose="020B0604020202020204" pitchFamily="34" charset="0"/>
+              <a:buChar char="•"/>
+            </a:pPr>
+            <a:r>
+              <a:rPr lang="en-GB" sz="2800" dirty="0"/>
+              <a:t>Can be lost</a:t>
+            </a:r>
+            <a:endParaRPr lang="de-DE" sz="2800" dirty="0"/>
+          </a:p>
+        </p:txBody>
+      </p:sp>
+      <p:sp>
+        <p:nvSpPr>
+          <p:cNvPr id="69" name="TextBox 68">
+            <a:extLst>
+              <a:ext uri="{FF2B5EF4-FFF2-40B4-BE49-F238E27FC236}">
+                <a16:creationId xmlns:a16="http://schemas.microsoft.com/office/drawing/2014/main" id="{28855F54-DBB2-E740-86D7-CEF414A994D4}"/>
+              </a:ext>
+            </a:extLst>
+          </p:cNvPr>
+          <p:cNvSpPr txBox="1"/>
+          <p:nvPr/>
+        </p:nvSpPr>
+        <p:spPr>
+          <a:xfrm>
+            <a:off x="11043888" y="11156175"/>
+            <a:ext cx="9846818" cy="3724096"/>
+          </a:xfrm>
+          <a:prstGeom prst="rect">
+            <a:avLst/>
+          </a:prstGeom>
+          <a:solidFill>
+            <a:schemeClr val="accent2">
+              <a:lumMod val="20000"/>
+              <a:lumOff val="80000"/>
+            </a:schemeClr>
+          </a:solidFill>
+        </p:spPr>
+        <p:txBody>
+          <a:bodyPr wrap="square" rtlCol="0">
+            <a:spAutoFit/>
+          </a:bodyPr>
+          <a:lstStyle/>
+          <a:p>
+            <a:r>
+              <a:rPr lang="de-DE" sz="3600" u="sng" dirty="0" err="1"/>
+              <a:t>Testing</a:t>
+            </a:r>
+            <a:r>
+              <a:rPr lang="de-DE" sz="2400" u="sng" dirty="0"/>
+              <a:t>:</a:t>
+            </a:r>
+          </a:p>
+          <a:p>
+            <a:r>
+              <a:rPr lang="de-DE" sz="2800" dirty="0" err="1"/>
+              <a:t>Ngrok</a:t>
+            </a:r>
+            <a:r>
+              <a:rPr lang="de-DE" sz="2800" dirty="0"/>
+              <a:t> </a:t>
+            </a:r>
+            <a:r>
+              <a:rPr lang="de-DE" sz="2800" dirty="0" err="1"/>
+              <a:t>creates</a:t>
+            </a:r>
+            <a:r>
+              <a:rPr lang="de-DE" sz="2800" dirty="0"/>
+              <a:t> a </a:t>
+            </a:r>
+            <a:r>
+              <a:rPr lang="de-DE" sz="2800" dirty="0" err="1"/>
+              <a:t>public</a:t>
+            </a:r>
+            <a:r>
+              <a:rPr lang="de-DE" sz="2800" dirty="0"/>
+              <a:t> URL </a:t>
+            </a:r>
+            <a:r>
+              <a:rPr lang="de-DE" sz="2800" dirty="0" err="1"/>
+              <a:t>for</a:t>
+            </a:r>
+            <a:r>
+              <a:rPr lang="de-DE" sz="2800" dirty="0"/>
+              <a:t> </a:t>
+            </a:r>
+            <a:r>
+              <a:rPr lang="de-DE" sz="2800" dirty="0" err="1"/>
+              <a:t>local</a:t>
+            </a:r>
+            <a:r>
+              <a:rPr lang="de-DE" sz="2800" dirty="0"/>
+              <a:t> </a:t>
+            </a:r>
+            <a:r>
+              <a:rPr lang="de-DE" sz="2800" dirty="0" err="1"/>
+              <a:t>server</a:t>
+            </a:r>
+            <a:r>
+              <a:rPr lang="de-DE" sz="2800" dirty="0"/>
+              <a:t> </a:t>
+            </a:r>
+            <a:r>
+              <a:rPr lang="de-DE" sz="2800" dirty="0" err="1"/>
+              <a:t>inculding</a:t>
+            </a:r>
+            <a:r>
+              <a:rPr lang="de-DE" sz="2800" dirty="0"/>
+              <a:t> HTTPS. </a:t>
+            </a:r>
+          </a:p>
+          <a:p>
+            <a:pPr marL="457200" indent="-457200">
+              <a:buFont typeface="Arial" panose="020B0604020202020204" pitchFamily="34" charset="0"/>
+              <a:buChar char="•"/>
+            </a:pPr>
+            <a:r>
+              <a:rPr lang="de-DE" sz="2800" dirty="0" err="1"/>
+              <a:t>Make</a:t>
+            </a:r>
+            <a:r>
+              <a:rPr lang="de-DE" sz="2800" dirty="0"/>
+              <a:t> </a:t>
+            </a:r>
+            <a:r>
+              <a:rPr lang="de-DE" sz="2800" dirty="0" err="1"/>
+              <a:t>changes</a:t>
+            </a:r>
+            <a:r>
+              <a:rPr lang="de-DE" sz="2800" dirty="0"/>
+              <a:t> </a:t>
+            </a:r>
+            <a:r>
+              <a:rPr lang="de-DE" sz="2800" dirty="0" err="1"/>
+              <a:t>to</a:t>
+            </a:r>
+            <a:r>
+              <a:rPr lang="de-DE" sz="2800" dirty="0"/>
+              <a:t> Java </a:t>
+            </a:r>
+          </a:p>
+          <a:p>
+            <a:pPr marL="457200" indent="-457200">
+              <a:buFont typeface="Arial" panose="020B0604020202020204" pitchFamily="34" charset="0"/>
+              <a:buChar char="•"/>
+            </a:pPr>
+            <a:r>
+              <a:rPr lang="de-DE" sz="2800" dirty="0" err="1"/>
+              <a:t>Rebuild</a:t>
+            </a:r>
+            <a:r>
+              <a:rPr lang="de-DE" sz="2800" dirty="0"/>
+              <a:t> .war </a:t>
+            </a:r>
+          </a:p>
+          <a:p>
+            <a:pPr marL="457200" indent="-457200">
+              <a:buFont typeface="Arial" panose="020B0604020202020204" pitchFamily="34" charset="0"/>
+              <a:buChar char="•"/>
+            </a:pPr>
+            <a:r>
+              <a:rPr lang="de-DE" sz="2800" dirty="0"/>
+              <a:t>Add .war </a:t>
+            </a:r>
+            <a:r>
+              <a:rPr lang="de-DE" sz="2800" dirty="0" err="1"/>
+              <a:t>to</a:t>
+            </a:r>
+            <a:r>
+              <a:rPr lang="de-DE" sz="2800" dirty="0"/>
+              <a:t> </a:t>
+            </a:r>
+            <a:r>
+              <a:rPr lang="de-DE" sz="2800" dirty="0" err="1"/>
+              <a:t>Tomcat</a:t>
+            </a:r>
+            <a:r>
+              <a:rPr lang="de-DE" sz="2800" dirty="0"/>
+              <a:t> </a:t>
+            </a:r>
+            <a:r>
+              <a:rPr lang="de-DE" sz="2800" dirty="0" err="1"/>
+              <a:t>directory</a:t>
+            </a:r>
+            <a:endParaRPr lang="de-DE" sz="2800" dirty="0"/>
+          </a:p>
+          <a:p>
+            <a:pPr marL="457200" indent="-457200">
+              <a:buFont typeface="Arial" panose="020B0604020202020204" pitchFamily="34" charset="0"/>
+              <a:buChar char="•"/>
+            </a:pPr>
+            <a:r>
+              <a:rPr lang="de-DE" sz="2800" dirty="0" err="1"/>
+              <a:t>Restart</a:t>
+            </a:r>
+            <a:r>
+              <a:rPr lang="de-DE" sz="2800" dirty="0"/>
+              <a:t> </a:t>
+            </a:r>
+            <a:r>
+              <a:rPr lang="de-DE" sz="2800" dirty="0" err="1"/>
+              <a:t>Tomcat</a:t>
+            </a:r>
+            <a:r>
+              <a:rPr lang="de-DE" sz="2800" dirty="0"/>
+              <a:t> </a:t>
+            </a:r>
+            <a:r>
+              <a:rPr lang="de-DE" sz="2800" dirty="0" err="1"/>
+              <a:t>server</a:t>
+            </a:r>
+            <a:endParaRPr lang="de-DE" sz="2800" dirty="0"/>
+          </a:p>
+          <a:p>
+            <a:pPr marL="457200" indent="-457200">
+              <a:buFont typeface="Arial" panose="020B0604020202020204" pitchFamily="34" charset="0"/>
+              <a:buChar char="•"/>
+            </a:pPr>
+            <a:r>
+              <a:rPr lang="de-DE" sz="2800" dirty="0"/>
+              <a:t>Start </a:t>
+            </a:r>
+            <a:r>
+              <a:rPr lang="de-DE" sz="2800" dirty="0" err="1"/>
+              <a:t>ngrok</a:t>
+            </a:r>
+            <a:r>
+              <a:rPr lang="de-DE" sz="2800" dirty="0"/>
+              <a:t> on </a:t>
+            </a:r>
+            <a:r>
+              <a:rPr lang="de-DE" sz="2800" dirty="0" err="1"/>
+              <a:t>localhost</a:t>
+            </a:r>
+            <a:r>
+              <a:rPr lang="de-DE" sz="2800" dirty="0"/>
+              <a:t> </a:t>
+            </a:r>
+            <a:r>
+              <a:rPr lang="de-DE" sz="2800" dirty="0" err="1"/>
+              <a:t>port</a:t>
+            </a:r>
+            <a:r>
+              <a:rPr lang="de-DE" sz="2800" dirty="0"/>
+              <a:t> 8080</a:t>
+            </a:r>
+          </a:p>
+          <a:p>
+            <a:pPr marL="457200" indent="-457200">
+              <a:buFont typeface="Arial" panose="020B0604020202020204" pitchFamily="34" charset="0"/>
+              <a:buChar char="•"/>
+            </a:pPr>
+            <a:r>
+              <a:rPr lang="de-DE" sz="2800" dirty="0"/>
+              <a:t>Set </a:t>
+            </a:r>
+            <a:r>
+              <a:rPr lang="de-DE" sz="2800" dirty="0" err="1"/>
+              <a:t>public</a:t>
+            </a:r>
+            <a:r>
+              <a:rPr lang="de-DE" sz="2800" dirty="0"/>
+              <a:t> URL </a:t>
+            </a:r>
+            <a:r>
+              <a:rPr lang="de-DE" sz="2800" dirty="0" err="1"/>
+              <a:t>as</a:t>
+            </a:r>
+            <a:r>
+              <a:rPr lang="de-DE" sz="2800" dirty="0"/>
+              <a:t> </a:t>
+            </a:r>
+            <a:r>
+              <a:rPr lang="de-DE" sz="2800" dirty="0" err="1"/>
+              <a:t>endpoint</a:t>
+            </a:r>
+            <a:r>
+              <a:rPr lang="de-DE" sz="2800" dirty="0"/>
+              <a:t> </a:t>
+            </a:r>
+            <a:r>
+              <a:rPr lang="de-DE" sz="2800" dirty="0" err="1"/>
+              <a:t>for</a:t>
+            </a:r>
+            <a:r>
+              <a:rPr lang="de-DE" sz="2800" dirty="0"/>
+              <a:t> </a:t>
+            </a:r>
+            <a:r>
+              <a:rPr lang="de-DE" sz="2800" dirty="0" err="1"/>
+              <a:t>skill</a:t>
+            </a:r>
+            <a:endParaRPr lang="de-DE" sz="2800" dirty="0"/>
+          </a:p>
+        </p:txBody>
+      </p:sp>
+      <p:pic>
+        <p:nvPicPr>
+          <p:cNvPr id="74" name="Picture 73">
+            <a:extLst>
+              <a:ext uri="{FF2B5EF4-FFF2-40B4-BE49-F238E27FC236}">
+                <a16:creationId xmlns:a16="http://schemas.microsoft.com/office/drawing/2014/main" id="{4010BAB1-75C4-6749-B8AC-5E1C22513FAC}"/>
+              </a:ext>
+            </a:extLst>
+          </p:cNvPr>
+          <p:cNvPicPr>
+            <a:picLocks noChangeAspect="1"/>
+          </p:cNvPicPr>
+          <p:nvPr/>
+        </p:nvPicPr>
+        <p:blipFill>
+          <a:blip r:embed="rId13"/>
+          <a:stretch>
+            <a:fillRect/>
+          </a:stretch>
+        </p:blipFill>
+        <p:spPr>
+          <a:xfrm>
+            <a:off x="4169817" y="20599485"/>
+            <a:ext cx="3339322" cy="9233317"/>
+          </a:xfrm>
+          <a:prstGeom prst="rect">
+            <a:avLst/>
+          </a:prstGeom>
+        </p:spPr>
+      </p:pic>
+      <p:pic>
+        <p:nvPicPr>
+          <p:cNvPr id="75" name="Picture 74">
+            <a:extLst>
+              <a:ext uri="{FF2B5EF4-FFF2-40B4-BE49-F238E27FC236}">
+                <a16:creationId xmlns:a16="http://schemas.microsoft.com/office/drawing/2014/main" id="{19E4474A-FDAC-2944-8747-969F83B5659B}"/>
+              </a:ext>
+            </a:extLst>
+          </p:cNvPr>
+          <p:cNvPicPr>
+            <a:picLocks noChangeAspect="1"/>
+          </p:cNvPicPr>
+          <p:nvPr/>
+        </p:nvPicPr>
+        <p:blipFill>
+          <a:blip r:embed="rId14"/>
+          <a:stretch>
+            <a:fillRect/>
+          </a:stretch>
+        </p:blipFill>
+        <p:spPr>
+          <a:xfrm>
+            <a:off x="291345" y="20332230"/>
+            <a:ext cx="3550318" cy="9500572"/>
+          </a:xfrm>
+          <a:prstGeom prst="rect">
+            <a:avLst/>
+          </a:prstGeom>
+        </p:spPr>
+      </p:pic>
+      <p:pic>
+        <p:nvPicPr>
+          <p:cNvPr id="76" name="Picture 75">
+            <a:extLst>
+              <a:ext uri="{FF2B5EF4-FFF2-40B4-BE49-F238E27FC236}">
+                <a16:creationId xmlns:a16="http://schemas.microsoft.com/office/drawing/2014/main" id="{2A87F681-43A0-794A-83B3-0FD16607063A}"/>
+              </a:ext>
+            </a:extLst>
+          </p:cNvPr>
+          <p:cNvPicPr>
+            <a:picLocks noChangeAspect="1"/>
+          </p:cNvPicPr>
+          <p:nvPr/>
+        </p:nvPicPr>
+        <p:blipFill>
+          <a:blip r:embed="rId15"/>
+          <a:stretch>
+            <a:fillRect/>
+          </a:stretch>
+        </p:blipFill>
+        <p:spPr>
+          <a:xfrm>
+            <a:off x="7837293" y="20546339"/>
+            <a:ext cx="3625655" cy="9225040"/>
+          </a:xfrm>
+          <a:prstGeom prst="rect">
+            <a:avLst/>
+          </a:prstGeom>
+        </p:spPr>
+      </p:pic>
+      <p:grpSp>
+        <p:nvGrpSpPr>
+          <p:cNvPr id="80" name="Group 79">
+            <a:extLst>
+              <a:ext uri="{FF2B5EF4-FFF2-40B4-BE49-F238E27FC236}">
+                <a16:creationId xmlns:a16="http://schemas.microsoft.com/office/drawing/2014/main" id="{9580FDA7-3B4B-0745-974F-81052CDEFE5B}"/>
+              </a:ext>
+            </a:extLst>
+          </p:cNvPr>
+          <p:cNvGrpSpPr/>
+          <p:nvPr/>
+        </p:nvGrpSpPr>
+        <p:grpSpPr>
+          <a:xfrm>
+            <a:off x="14138481" y="21850051"/>
+            <a:ext cx="6411212" cy="3150734"/>
+            <a:chOff x="14288901" y="22206857"/>
+            <a:chExt cx="6411212" cy="3150734"/>
+          </a:xfrm>
+        </p:grpSpPr>
+        <p:pic>
+          <p:nvPicPr>
+            <p:cNvPr id="78" name="Picture 77">
+              <a:extLst>
+                <a:ext uri="{FF2B5EF4-FFF2-40B4-BE49-F238E27FC236}">
+                  <a16:creationId xmlns:a16="http://schemas.microsoft.com/office/drawing/2014/main" id="{738A2DF9-E76C-084A-B8FF-3A6BA9068129}"/>
+                </a:ext>
+              </a:extLst>
+            </p:cNvPr>
+            <p:cNvPicPr>
+              <a:picLocks noChangeAspect="1"/>
+            </p:cNvPicPr>
+            <p:nvPr/>
+          </p:nvPicPr>
+          <p:blipFill>
+            <a:blip r:embed="rId16"/>
+            <a:stretch>
+              <a:fillRect/>
+            </a:stretch>
+          </p:blipFill>
+          <p:spPr>
+            <a:xfrm>
+              <a:off x="14288901" y="22802747"/>
+              <a:ext cx="6411212" cy="2554844"/>
+            </a:xfrm>
+            <a:prstGeom prst="rect">
+              <a:avLst/>
+            </a:prstGeom>
+          </p:spPr>
+        </p:pic>
+        <p:sp>
+          <p:nvSpPr>
+            <p:cNvPr id="79" name="TextBox 78">
+              <a:extLst>
+                <a:ext uri="{FF2B5EF4-FFF2-40B4-BE49-F238E27FC236}">
+                  <a16:creationId xmlns:a16="http://schemas.microsoft.com/office/drawing/2014/main" id="{CB49363A-E417-4440-97FC-481C02AACD0C}"/>
+                </a:ext>
+              </a:extLst>
+            </p:cNvPr>
+            <p:cNvSpPr txBox="1"/>
+            <p:nvPr/>
+          </p:nvSpPr>
+          <p:spPr>
+            <a:xfrm>
+              <a:off x="14499771" y="22206857"/>
+              <a:ext cx="1266501" cy="584775"/>
+            </a:xfrm>
+            <a:prstGeom prst="rect">
+              <a:avLst/>
+            </a:prstGeom>
+            <a:noFill/>
+          </p:spPr>
+          <p:txBody>
+            <a:bodyPr wrap="none" rtlCol="0">
+              <a:spAutoFit/>
+            </a:bodyPr>
+            <a:lstStyle/>
+            <a:p>
+              <a:r>
+                <a:rPr lang="en-GB" sz="3200" b="1" u="sng" dirty="0"/>
+                <a:t>Drinks</a:t>
+              </a:r>
+            </a:p>
+          </p:txBody>
+        </p:sp>
+      </p:grpSp>
+      <p:grpSp>
+        <p:nvGrpSpPr>
+          <p:cNvPr id="82" name="Group 81">
+            <a:extLst>
+              <a:ext uri="{FF2B5EF4-FFF2-40B4-BE49-F238E27FC236}">
+                <a16:creationId xmlns:a16="http://schemas.microsoft.com/office/drawing/2014/main" id="{8D13FA6F-CCA4-8947-9439-7B24FE8AA096}"/>
+              </a:ext>
+            </a:extLst>
+          </p:cNvPr>
+          <p:cNvGrpSpPr/>
+          <p:nvPr/>
+        </p:nvGrpSpPr>
+        <p:grpSpPr>
+          <a:xfrm>
+            <a:off x="14138481" y="25216143"/>
+            <a:ext cx="6411212" cy="4128441"/>
+            <a:chOff x="14288901" y="25211315"/>
+            <a:chExt cx="6411212" cy="4128441"/>
+          </a:xfrm>
+        </p:grpSpPr>
+        <p:pic>
+          <p:nvPicPr>
+            <p:cNvPr id="77" name="Picture 76">
+              <a:extLst>
+                <a:ext uri="{FF2B5EF4-FFF2-40B4-BE49-F238E27FC236}">
+                  <a16:creationId xmlns:a16="http://schemas.microsoft.com/office/drawing/2014/main" id="{E6A2FC29-7FF7-9E44-B99A-246EE73999D9}"/>
+                </a:ext>
+              </a:extLst>
+            </p:cNvPr>
+            <p:cNvPicPr>
+              <a:picLocks noChangeAspect="1"/>
+            </p:cNvPicPr>
+            <p:nvPr/>
+          </p:nvPicPr>
+          <p:blipFill>
+            <a:blip r:embed="rId17"/>
+            <a:stretch>
+              <a:fillRect/>
+            </a:stretch>
+          </p:blipFill>
+          <p:spPr>
+            <a:xfrm>
+              <a:off x="14288901" y="25866045"/>
+              <a:ext cx="6411212" cy="3473711"/>
+            </a:xfrm>
+            <a:prstGeom prst="rect">
+              <a:avLst/>
+            </a:prstGeom>
+          </p:spPr>
+        </p:pic>
+        <p:sp>
+          <p:nvSpPr>
+            <p:cNvPr id="81" name="TextBox 80">
+              <a:extLst>
+                <a:ext uri="{FF2B5EF4-FFF2-40B4-BE49-F238E27FC236}">
+                  <a16:creationId xmlns:a16="http://schemas.microsoft.com/office/drawing/2014/main" id="{1B5615D2-91A1-2045-9F17-3B65072627B7}"/>
+                </a:ext>
+              </a:extLst>
+            </p:cNvPr>
+            <p:cNvSpPr txBox="1"/>
+            <p:nvPr/>
+          </p:nvSpPr>
+          <p:spPr>
+            <a:xfrm>
+              <a:off x="14532429" y="25211315"/>
+              <a:ext cx="1320361" cy="646331"/>
+            </a:xfrm>
+            <a:prstGeom prst="rect">
+              <a:avLst/>
+            </a:prstGeom>
+            <a:noFill/>
+          </p:spPr>
+          <p:txBody>
+            <a:bodyPr wrap="none" rtlCol="0">
+              <a:spAutoFit/>
+            </a:bodyPr>
+            <a:lstStyle/>
+            <a:p>
+              <a:r>
+                <a:rPr lang="en-GB" sz="3600" b="1" u="sng" dirty="0"/>
+                <a:t>Foods</a:t>
+              </a:r>
+            </a:p>
+          </p:txBody>
+        </p:sp>
+      </p:grpSp>
+      <p:sp>
+        <p:nvSpPr>
+          <p:cNvPr id="83" name="Right Arrow 82">
+            <a:extLst>
+              <a:ext uri="{FF2B5EF4-FFF2-40B4-BE49-F238E27FC236}">
+                <a16:creationId xmlns:a16="http://schemas.microsoft.com/office/drawing/2014/main" id="{06D34331-FEFD-4648-BEF2-A23CEDF5CBDD}"/>
+              </a:ext>
+            </a:extLst>
+          </p:cNvPr>
+          <p:cNvSpPr/>
+          <p:nvPr/>
+        </p:nvSpPr>
+        <p:spPr>
+          <a:xfrm>
+            <a:off x="11887200" y="25216143"/>
+            <a:ext cx="1627159" cy="1138171"/>
+          </a:xfrm>
+          <a:prstGeom prst="rightArrow">
+            <a:avLst/>
+          </a:prstGeom>
+        </p:spPr>
+        <p:style>
+          <a:lnRef idx="2">
+            <a:schemeClr val="accent1">
+              <a:shade val="50000"/>
+            </a:schemeClr>
+          </a:lnRef>
+          <a:fillRef idx="1">
+            <a:schemeClr val="accent1"/>
+          </a:fillRef>
+          <a:effectRef idx="0">
+            <a:schemeClr val="accent1"/>
+          </a:effectRef>
+          <a:fontRef idx="minor">
+            <a:schemeClr val="lt1"/>
+          </a:fontRef>
+        </p:style>
+        <p:txBody>
+          <a:bodyPr rtlCol="0" anchor="ctr"/>
+          <a:lstStyle/>
+          <a:p>
+            <a:pPr algn="ctr"/>
+            <a:endParaRPr lang="en-GB"/>
+          </a:p>
+        </p:txBody>
+      </p:sp>
     </p:spTree>
     <p:extLst>
       <p:ext uri="{BB962C8B-B14F-4D97-AF65-F5344CB8AC3E}">

--- a/Poster.pptx
+++ b/Poster.pptx
@@ -2980,7 +2980,7 @@
         </p:nvSpPr>
         <p:spPr>
           <a:xfrm>
-            <a:off x="3693317" y="0"/>
+            <a:off x="3693317" y="174172"/>
             <a:ext cx="13996989" cy="2246769"/>
           </a:xfrm>
           <a:prstGeom prst="rect">
@@ -2996,30 +2996,30 @@
           <a:p>
             <a:pPr algn="ctr"/>
             <a:r>
-              <a:rPr lang="de-DE" sz="7000" b="1" u="sng" dirty="0"/>
+              <a:rPr lang="de-DE" sz="7000" b="1" dirty="0"/>
               <a:t>Smart </a:t>
             </a:r>
             <a:r>
-              <a:rPr lang="de-DE" sz="7000" b="1" u="sng" dirty="0" err="1"/>
+              <a:rPr lang="de-DE" sz="7000" b="1" dirty="0" err="1"/>
               <a:t>Assistant</a:t>
             </a:r>
             <a:r>
-              <a:rPr lang="de-DE" sz="7000" b="1" u="sng" dirty="0"/>
+              <a:rPr lang="de-DE" sz="7000" b="1" dirty="0"/>
               <a:t> </a:t>
             </a:r>
             <a:r>
-              <a:rPr lang="de-DE" sz="7000" b="1" u="sng" dirty="0" err="1"/>
+              <a:rPr lang="de-DE" sz="7000" b="1" dirty="0" err="1"/>
               <a:t>for</a:t>
             </a:r>
             <a:r>
-              <a:rPr lang="de-DE" sz="7000" b="1" u="sng" dirty="0"/>
+              <a:rPr lang="de-DE" sz="7000" b="1" dirty="0"/>
               <a:t> Data Collection In </a:t>
             </a:r>
             <a:r>
-              <a:rPr lang="de-DE" sz="7000" b="1" u="sng" dirty="0" err="1"/>
+              <a:rPr lang="de-DE" sz="7000" b="1" dirty="0" err="1"/>
               <a:t>Epidemiology</a:t>
             </a:r>
-            <a:endParaRPr lang="de-DE" sz="7000" b="1" u="sng" dirty="0"/>
+            <a:endParaRPr lang="de-DE" sz="7000" b="1" dirty="0"/>
           </a:p>
         </p:txBody>
       </p:sp>
@@ -3144,8 +3144,8 @@
           <a:lstStyle/>
           <a:p>
             <a:r>
-              <a:rPr lang="de-DE" sz="3600" u="sng" dirty="0"/>
-              <a:t>Challenge: </a:t>
+              <a:rPr lang="de-DE" sz="3600" dirty="0"/>
+              <a:t>Challenge</a:t>
             </a:r>
           </a:p>
           <a:p>
@@ -3248,19 +3248,19 @@
           </a:p>
           <a:p>
             <a:r>
-              <a:rPr lang="de-DE" sz="3600" u="sng" dirty="0" err="1"/>
+              <a:rPr lang="de-DE" sz="3600" dirty="0" err="1"/>
               <a:t>Added</a:t>
             </a:r>
             <a:r>
-              <a:rPr lang="de-DE" sz="3600" u="sng" dirty="0"/>
+              <a:rPr lang="de-DE" sz="3600" dirty="0"/>
               <a:t> </a:t>
             </a:r>
             <a:r>
-              <a:rPr lang="de-DE" sz="3600" u="sng" dirty="0" err="1"/>
+              <a:rPr lang="de-DE" sz="3600" dirty="0" err="1"/>
               <a:t>value</a:t>
             </a:r>
             <a:r>
-              <a:rPr lang="de-DE" sz="3600" u="sng" dirty="0"/>
+              <a:rPr lang="de-DE" sz="3600" dirty="0"/>
               <a:t>: </a:t>
             </a:r>
           </a:p>
@@ -3467,13 +3467,10 @@
           <a:p>
             <a:pPr algn="ctr"/>
             <a:r>
-              <a:rPr lang="de-DE" sz="4000" u="sng" dirty="0" err="1"/>
+              <a:rPr lang="de-DE" sz="4000" dirty="0" err="1"/>
               <a:t>Introduction</a:t>
             </a:r>
-            <a:r>
-              <a:rPr lang="de-DE" sz="4000" u="sng" dirty="0"/>
-              <a:t>:</a:t>
-            </a:r>
+            <a:endParaRPr lang="de-DE" sz="4000" dirty="0"/>
           </a:p>
           <a:p>
             <a:pPr algn="ctr"/>
@@ -4610,9 +4607,10 @@
           <a:lstStyle/>
           <a:p>
             <a:r>
-              <a:rPr lang="de-DE" sz="3600" u="sng" dirty="0"/>
-              <a:t>Approach:</a:t>
-            </a:r>
+              <a:rPr lang="de-DE" sz="3600" dirty="0"/>
+              <a:t>Approach</a:t>
+            </a:r>
+            <a:endParaRPr lang="de-DE" sz="3600" u="sng" dirty="0"/>
           </a:p>
           <a:p>
             <a:pPr marL="514350" indent="-514350">
@@ -4973,8 +4971,8 @@
           <a:lstStyle/>
           <a:p>
             <a:r>
-              <a:rPr lang="de-DE" sz="3600" u="sng" dirty="0"/>
-              <a:t>Motivation:</a:t>
+              <a:rPr lang="de-DE" sz="3600" dirty="0"/>
+              <a:t>Motivation</a:t>
             </a:r>
           </a:p>
           <a:p>
@@ -5106,13 +5104,10 @@
           <a:lstStyle/>
           <a:p>
             <a:r>
-              <a:rPr lang="de-DE" sz="3600" u="sng" dirty="0" err="1"/>
+              <a:rPr lang="de-DE" sz="3600" dirty="0" err="1"/>
               <a:t>Testing</a:t>
             </a:r>
-            <a:r>
-              <a:rPr lang="de-DE" sz="2400" u="sng" dirty="0"/>
-              <a:t>:</a:t>
-            </a:r>
+            <a:endParaRPr lang="de-DE" sz="2400" u="sng" dirty="0"/>
           </a:p>
           <a:p>
             <a:r>
@@ -5526,7 +5521,7 @@
             <a:lstStyle/>
             <a:p>
               <a:r>
-                <a:rPr lang="en-GB" sz="3200" b="1" u="sng" dirty="0"/>
+                <a:rPr lang="en-GB" sz="3200" b="1" dirty="0"/>
                 <a:t>Drinks</a:t>
               </a:r>
             </a:p>
@@ -5598,7 +5593,7 @@
           <p:spPr>
             <a:xfrm>
               <a:off x="14532429" y="25211315"/>
-              <a:ext cx="1320361" cy="646331"/>
+              <a:ext cx="1194366" cy="584775"/>
             </a:xfrm>
             <a:prstGeom prst="rect">
               <a:avLst/>
@@ -5612,9 +5607,10 @@
             <a:lstStyle/>
             <a:p>
               <a:r>
-                <a:rPr lang="en-GB" sz="3600" b="1" u="sng" dirty="0"/>
+                <a:rPr lang="en-GB" sz="3200" b="1" dirty="0"/>
                 <a:t>Foods</a:t>
               </a:r>
+              <a:endParaRPr lang="en-GB" sz="3600" b="1" dirty="0"/>
             </a:p>
           </p:txBody>
         </p:sp>

--- a/Poster.pptx
+++ b/Poster.pptx
@@ -104,6 +104,11 @@
       </a:defRPr>
     </a:lvl9pPr>
   </p:defaultTextStyle>
+  <p:extLst>
+    <p:ext uri="{EFAFB233-063F-42B5-8137-9DF3F51BA10A}">
+      <p15:sldGuideLst xmlns:p15="http://schemas.microsoft.com/office/powerpoint/2012/main"/>
+    </p:ext>
+  </p:extLst>
 </p:presentation>
 </file>
 
@@ -5004,7 +5009,15 @@
           <a:p>
             <a:r>
               <a:rPr lang="en-GB" sz="2800" dirty="0"/>
-              <a:t>This is a generational study, analysing behaviour,, including nutrition of a large group of participants over three generations. </a:t>
+              <a:t>This is a generational study, </a:t>
+            </a:r>
+            <a:r>
+              <a:rPr lang="en-GB" sz="2800"/>
+              <a:t>analysing behaviour, </a:t>
+            </a:r>
+            <a:r>
+              <a:rPr lang="en-GB" sz="2800" dirty="0"/>
+              <a:t>including nutrition of a large group of participants over three generations. </a:t>
             </a:r>
           </a:p>
           <a:p>

--- a/Poster.pptx
+++ b/Poster.pptx
@@ -243,7 +243,7 @@
           <a:p>
             <a:fld id="{D5D13E92-CC9F-674A-8CAF-0DB84A46D4C9}" type="datetimeFigureOut">
               <a:rPr lang="de-DE" smtClean="0"/>
-              <a:t>02.08.19</a:t>
+              <a:t>05.08.19</a:t>
             </a:fld>
             <a:endParaRPr lang="de-DE"/>
           </a:p>
@@ -413,7 +413,7 @@
           <a:p>
             <a:fld id="{D5D13E92-CC9F-674A-8CAF-0DB84A46D4C9}" type="datetimeFigureOut">
               <a:rPr lang="de-DE" smtClean="0"/>
-              <a:t>02.08.19</a:t>
+              <a:t>05.08.19</a:t>
             </a:fld>
             <a:endParaRPr lang="de-DE"/>
           </a:p>
@@ -593,7 +593,7 @@
           <a:p>
             <a:fld id="{D5D13E92-CC9F-674A-8CAF-0DB84A46D4C9}" type="datetimeFigureOut">
               <a:rPr lang="de-DE" smtClean="0"/>
-              <a:t>02.08.19</a:t>
+              <a:t>05.08.19</a:t>
             </a:fld>
             <a:endParaRPr lang="de-DE"/>
           </a:p>
@@ -763,7 +763,7 @@
           <a:p>
             <a:fld id="{D5D13E92-CC9F-674A-8CAF-0DB84A46D4C9}" type="datetimeFigureOut">
               <a:rPr lang="de-DE" smtClean="0"/>
-              <a:t>02.08.19</a:t>
+              <a:t>05.08.19</a:t>
             </a:fld>
             <a:endParaRPr lang="de-DE"/>
           </a:p>
@@ -1007,7 +1007,7 @@
           <a:p>
             <a:fld id="{D5D13E92-CC9F-674A-8CAF-0DB84A46D4C9}" type="datetimeFigureOut">
               <a:rPr lang="de-DE" smtClean="0"/>
-              <a:t>02.08.19</a:t>
+              <a:t>05.08.19</a:t>
             </a:fld>
             <a:endParaRPr lang="de-DE"/>
           </a:p>
@@ -1239,7 +1239,7 @@
           <a:p>
             <a:fld id="{D5D13E92-CC9F-674A-8CAF-0DB84A46D4C9}" type="datetimeFigureOut">
               <a:rPr lang="de-DE" smtClean="0"/>
-              <a:t>02.08.19</a:t>
+              <a:t>05.08.19</a:t>
             </a:fld>
             <a:endParaRPr lang="de-DE"/>
           </a:p>
@@ -1606,7 +1606,7 @@
           <a:p>
             <a:fld id="{D5D13E92-CC9F-674A-8CAF-0DB84A46D4C9}" type="datetimeFigureOut">
               <a:rPr lang="de-DE" smtClean="0"/>
-              <a:t>02.08.19</a:t>
+              <a:t>05.08.19</a:t>
             </a:fld>
             <a:endParaRPr lang="de-DE"/>
           </a:p>
@@ -1724,7 +1724,7 @@
           <a:p>
             <a:fld id="{D5D13E92-CC9F-674A-8CAF-0DB84A46D4C9}" type="datetimeFigureOut">
               <a:rPr lang="de-DE" smtClean="0"/>
-              <a:t>02.08.19</a:t>
+              <a:t>05.08.19</a:t>
             </a:fld>
             <a:endParaRPr lang="de-DE"/>
           </a:p>
@@ -1819,7 +1819,7 @@
           <a:p>
             <a:fld id="{D5D13E92-CC9F-674A-8CAF-0DB84A46D4C9}" type="datetimeFigureOut">
               <a:rPr lang="de-DE" smtClean="0"/>
-              <a:t>02.08.19</a:t>
+              <a:t>05.08.19</a:t>
             </a:fld>
             <a:endParaRPr lang="de-DE"/>
           </a:p>
@@ -2096,7 +2096,7 @@
           <a:p>
             <a:fld id="{D5D13E92-CC9F-674A-8CAF-0DB84A46D4C9}" type="datetimeFigureOut">
               <a:rPr lang="de-DE" smtClean="0"/>
-              <a:t>02.08.19</a:t>
+              <a:t>05.08.19</a:t>
             </a:fld>
             <a:endParaRPr lang="de-DE"/>
           </a:p>
@@ -2353,7 +2353,7 @@
           <a:p>
             <a:fld id="{D5D13E92-CC9F-674A-8CAF-0DB84A46D4C9}" type="datetimeFigureOut">
               <a:rPr lang="de-DE" smtClean="0"/>
-              <a:t>02.08.19</a:t>
+              <a:t>05.08.19</a:t>
             </a:fld>
             <a:endParaRPr lang="de-DE"/>
           </a:p>
@@ -2566,7 +2566,7 @@
           <a:p>
             <a:fld id="{D5D13E92-CC9F-674A-8CAF-0DB84A46D4C9}" type="datetimeFigureOut">
               <a:rPr lang="de-DE" smtClean="0"/>
-              <a:t>02.08.19</a:t>
+              <a:t>05.08.19</a:t>
             </a:fld>
             <a:endParaRPr lang="de-DE"/>
           </a:p>
